--- a/Modelo Poster (1).pptx
+++ b/Modelo Poster (1).pptx
@@ -5831,7 +5831,7 @@
                   <a:t>. O que </a:t>
                 </a:r>
                 <a:r>
-                  <a:rPr lang="en-US" sz="2800" dirty="0" err="1">
+                  <a:rPr lang="pt-BR" sz="2800" dirty="0">
                     <a:latin typeface="Arial"/>
                     <a:cs typeface="Arial"/>
                   </a:rPr>
@@ -15491,6 +15491,2343 @@
           </a:prstGeom>
         </p:spPr>
       </p:pic>
+      <p:graphicFrame>
+        <p:nvGraphicFramePr>
+          <p:cNvPr id="2" name="Tabela 1">
+            <a:extLst>
+              <a:ext uri="{FF2B5EF4-FFF2-40B4-BE49-F238E27FC236}">
+                <a16:creationId xmlns:a16="http://schemas.microsoft.com/office/drawing/2014/main" id="{18F4703D-83BC-31E7-D575-B02B3E1C9A3B}"/>
+              </a:ext>
+            </a:extLst>
+          </p:cNvPr>
+          <p:cNvGraphicFramePr>
+            <a:graphicFrameLocks noGrp="1"/>
+          </p:cNvGraphicFramePr>
+          <p:nvPr>
+            <p:extLst>
+              <p:ext uri="{D42A27DB-BD31-4B8C-83A1-F6EECF244321}">
+                <p14:modId xmlns:p14="http://schemas.microsoft.com/office/powerpoint/2010/main" val="3761715691"/>
+              </p:ext>
+            </p:extLst>
+          </p:nvPr>
+        </p:nvGraphicFramePr>
+        <p:xfrm>
+          <a:off x="1381125" y="34053463"/>
+          <a:ext cx="2209800" cy="2377440"/>
+        </p:xfrm>
+        <a:graphic>
+          <a:graphicData uri="http://schemas.openxmlformats.org/drawingml/2006/table">
+            <a:tbl>
+              <a:tblPr>
+                <a:tableStyleId>{5C22544A-7EE6-4342-B048-85BDC9FD1C3A}</a:tableStyleId>
+              </a:tblPr>
+              <a:tblGrid>
+                <a:gridCol w="971550">
+                  <a:extLst>
+                    <a:ext uri="{9D8B030D-6E8A-4147-A177-3AD203B41FA5}">
+                      <a16:colId xmlns:a16="http://schemas.microsoft.com/office/drawing/2014/main" val="3645512321"/>
+                    </a:ext>
+                  </a:extLst>
+                </a:gridCol>
+                <a:gridCol w="1238250">
+                  <a:extLst>
+                    <a:ext uri="{9D8B030D-6E8A-4147-A177-3AD203B41FA5}">
+                      <a16:colId xmlns:a16="http://schemas.microsoft.com/office/drawing/2014/main" val="1956419463"/>
+                    </a:ext>
+                  </a:extLst>
+                </a:gridCol>
+              </a:tblGrid>
+              <a:tr h="182880">
+                <a:tc gridSpan="2">
+                  <a:txBody>
+                    <a:bodyPr/>
+                    <a:lstStyle/>
+                    <a:p>
+                      <a:pPr algn="ctr" fontAlgn="b"/>
+                      <a:r>
+                        <a:rPr lang="pt-BR" sz="1100" u="none" strike="noStrike">
+                          <a:effectLst/>
+                        </a:rPr>
+                        <a:t>Tensões internas (Pa)</a:t>
+                      </a:r>
+                      <a:endParaRPr lang="pt-BR" sz="1100" b="1" i="0" u="none" strike="noStrike">
+                        <a:solidFill>
+                          <a:srgbClr val="000000"/>
+                        </a:solidFill>
+                        <a:effectLst/>
+                        <a:latin typeface="Calibri" panose="020F0502020204030204" pitchFamily="34" charset="0"/>
+                      </a:endParaRPr>
+                    </a:p>
+                  </a:txBody>
+                  <a:tcPr marL="7620" marR="7620" marT="7620" marB="0" anchor="b"/>
+                </a:tc>
+                <a:tc hMerge="1">
+                  <a:txBody>
+                    <a:bodyPr/>
+                    <a:lstStyle/>
+                    <a:p>
+                      <a:endParaRPr lang="pt-BR"/>
+                    </a:p>
+                  </a:txBody>
+                  <a:tcPr/>
+                </a:tc>
+                <a:extLst>
+                  <a:ext uri="{0D108BD9-81ED-4DB2-BD59-A6C34878D82A}">
+                    <a16:rowId xmlns:a16="http://schemas.microsoft.com/office/drawing/2014/main" val="978855991"/>
+                  </a:ext>
+                </a:extLst>
+              </a:tr>
+              <a:tr h="182880">
+                <a:tc>
+                  <a:txBody>
+                    <a:bodyPr/>
+                    <a:lstStyle/>
+                    <a:p>
+                      <a:pPr algn="l" fontAlgn="b"/>
+                      <a:r>
+                        <a:rPr lang="pt-BR" sz="1100" u="none" strike="noStrike">
+                          <a:effectLst/>
+                        </a:rPr>
+                        <a:t>Dados do Lisa</a:t>
+                      </a:r>
+                      <a:endParaRPr lang="pt-BR" sz="1100" b="1" i="0" u="none" strike="noStrike">
+                        <a:solidFill>
+                          <a:srgbClr val="000000"/>
+                        </a:solidFill>
+                        <a:effectLst/>
+                        <a:latin typeface="Calibri" panose="020F0502020204030204" pitchFamily="34" charset="0"/>
+                      </a:endParaRPr>
+                    </a:p>
+                  </a:txBody>
+                  <a:tcPr marL="7620" marR="7620" marT="7620" marB="0" anchor="b"/>
+                </a:tc>
+                <a:tc>
+                  <a:txBody>
+                    <a:bodyPr/>
+                    <a:lstStyle/>
+                    <a:p>
+                      <a:pPr algn="l" fontAlgn="b"/>
+                      <a:r>
+                        <a:rPr lang="pt-BR" sz="1100" u="none" strike="noStrike">
+                          <a:effectLst/>
+                        </a:rPr>
+                        <a:t>Dados do Python</a:t>
+                      </a:r>
+                      <a:endParaRPr lang="pt-BR" sz="1100" b="1" i="0" u="none" strike="noStrike">
+                        <a:solidFill>
+                          <a:srgbClr val="000000"/>
+                        </a:solidFill>
+                        <a:effectLst/>
+                        <a:latin typeface="Calibri" panose="020F0502020204030204" pitchFamily="34" charset="0"/>
+                      </a:endParaRPr>
+                    </a:p>
+                  </a:txBody>
+                  <a:tcPr marL="7620" marR="7620" marT="7620" marB="0" anchor="b"/>
+                </a:tc>
+                <a:extLst>
+                  <a:ext uri="{0D108BD9-81ED-4DB2-BD59-A6C34878D82A}">
+                    <a16:rowId xmlns:a16="http://schemas.microsoft.com/office/drawing/2014/main" val="2289762059"/>
+                  </a:ext>
+                </a:extLst>
+              </a:tr>
+              <a:tr h="182880">
+                <a:tc>
+                  <a:txBody>
+                    <a:bodyPr/>
+                    <a:lstStyle/>
+                    <a:p>
+                      <a:pPr algn="r" fontAlgn="b"/>
+                      <a:r>
+                        <a:rPr lang="pt-BR" sz="1100" u="none" strike="noStrike">
+                          <a:effectLst/>
+                        </a:rPr>
+                        <a:t>-1235958271,97</a:t>
+                      </a:r>
+                      <a:endParaRPr lang="pt-BR" sz="1100" b="0" i="0" u="none" strike="noStrike">
+                        <a:solidFill>
+                          <a:srgbClr val="000000"/>
+                        </a:solidFill>
+                        <a:effectLst/>
+                        <a:latin typeface="Calibri" panose="020F0502020204030204" pitchFamily="34" charset="0"/>
+                      </a:endParaRPr>
+                    </a:p>
+                  </a:txBody>
+                  <a:tcPr marL="7620" marR="7620" marT="7620" marB="0" anchor="b"/>
+                </a:tc>
+                <a:tc>
+                  <a:txBody>
+                    <a:bodyPr/>
+                    <a:lstStyle/>
+                    <a:p>
+                      <a:pPr algn="r" fontAlgn="b"/>
+                      <a:r>
+                        <a:rPr lang="pt-BR" sz="1100" u="none" strike="noStrike">
+                          <a:effectLst/>
+                        </a:rPr>
+                        <a:t>-1235161360,00</a:t>
+                      </a:r>
+                      <a:endParaRPr lang="pt-BR" sz="1100" b="0" i="0" u="none" strike="noStrike">
+                        <a:solidFill>
+                          <a:srgbClr val="000000"/>
+                        </a:solidFill>
+                        <a:effectLst/>
+                        <a:latin typeface="Calibri" panose="020F0502020204030204" pitchFamily="34" charset="0"/>
+                      </a:endParaRPr>
+                    </a:p>
+                  </a:txBody>
+                  <a:tcPr marL="7620" marR="7620" marT="7620" marB="0" anchor="b"/>
+                </a:tc>
+                <a:extLst>
+                  <a:ext uri="{0D108BD9-81ED-4DB2-BD59-A6C34878D82A}">
+                    <a16:rowId xmlns:a16="http://schemas.microsoft.com/office/drawing/2014/main" val="1961634836"/>
+                  </a:ext>
+                </a:extLst>
+              </a:tr>
+              <a:tr h="182880">
+                <a:tc>
+                  <a:txBody>
+                    <a:bodyPr/>
+                    <a:lstStyle/>
+                    <a:p>
+                      <a:pPr algn="r" fontAlgn="b"/>
+                      <a:r>
+                        <a:rPr lang="pt-BR" sz="1100" u="none" strike="noStrike">
+                          <a:effectLst/>
+                        </a:rPr>
+                        <a:t>-145676244,74</a:t>
+                      </a:r>
+                      <a:endParaRPr lang="pt-BR" sz="1100" b="0" i="0" u="none" strike="noStrike">
+                        <a:solidFill>
+                          <a:srgbClr val="000000"/>
+                        </a:solidFill>
+                        <a:effectLst/>
+                        <a:latin typeface="Calibri" panose="020F0502020204030204" pitchFamily="34" charset="0"/>
+                      </a:endParaRPr>
+                    </a:p>
+                  </a:txBody>
+                  <a:tcPr marL="7620" marR="7620" marT="7620" marB="0" anchor="b"/>
+                </a:tc>
+                <a:tc>
+                  <a:txBody>
+                    <a:bodyPr/>
+                    <a:lstStyle/>
+                    <a:p>
+                      <a:pPr algn="r" fontAlgn="b"/>
+                      <a:r>
+                        <a:rPr lang="pt-BR" sz="1100" u="none" strike="noStrike">
+                          <a:effectLst/>
+                        </a:rPr>
+                        <a:t>-145938980,00</a:t>
+                      </a:r>
+                      <a:endParaRPr lang="pt-BR" sz="1100" b="0" i="0" u="none" strike="noStrike">
+                        <a:solidFill>
+                          <a:srgbClr val="000000"/>
+                        </a:solidFill>
+                        <a:effectLst/>
+                        <a:latin typeface="Calibri" panose="020F0502020204030204" pitchFamily="34" charset="0"/>
+                      </a:endParaRPr>
+                    </a:p>
+                  </a:txBody>
+                  <a:tcPr marL="7620" marR="7620" marT="7620" marB="0" anchor="b"/>
+                </a:tc>
+                <a:extLst>
+                  <a:ext uri="{0D108BD9-81ED-4DB2-BD59-A6C34878D82A}">
+                    <a16:rowId xmlns:a16="http://schemas.microsoft.com/office/drawing/2014/main" val="2309822751"/>
+                  </a:ext>
+                </a:extLst>
+              </a:tr>
+              <a:tr h="182880">
+                <a:tc>
+                  <a:txBody>
+                    <a:bodyPr/>
+                    <a:lstStyle/>
+                    <a:p>
+                      <a:pPr algn="r" fontAlgn="b"/>
+                      <a:r>
+                        <a:rPr lang="pt-BR" sz="1100" u="none" strike="noStrike">
+                          <a:effectLst/>
+                        </a:rPr>
+                        <a:t>361698334,75</a:t>
+                      </a:r>
+                      <a:endParaRPr lang="pt-BR" sz="1100" b="0" i="0" u="none" strike="noStrike">
+                        <a:solidFill>
+                          <a:srgbClr val="000000"/>
+                        </a:solidFill>
+                        <a:effectLst/>
+                        <a:latin typeface="Calibri" panose="020F0502020204030204" pitchFamily="34" charset="0"/>
+                      </a:endParaRPr>
+                    </a:p>
+                  </a:txBody>
+                  <a:tcPr marL="7620" marR="7620" marT="7620" marB="0" anchor="b"/>
+                </a:tc>
+                <a:tc>
+                  <a:txBody>
+                    <a:bodyPr/>
+                    <a:lstStyle/>
+                    <a:p>
+                      <a:pPr algn="r" fontAlgn="b"/>
+                      <a:r>
+                        <a:rPr lang="pt-BR" sz="1100" u="none" strike="noStrike">
+                          <a:effectLst/>
+                        </a:rPr>
+                        <a:t>361904762,00</a:t>
+                      </a:r>
+                      <a:endParaRPr lang="pt-BR" sz="1100" b="0" i="0" u="none" strike="noStrike">
+                        <a:solidFill>
+                          <a:srgbClr val="000000"/>
+                        </a:solidFill>
+                        <a:effectLst/>
+                        <a:latin typeface="Calibri" panose="020F0502020204030204" pitchFamily="34" charset="0"/>
+                      </a:endParaRPr>
+                    </a:p>
+                  </a:txBody>
+                  <a:tcPr marL="7620" marR="7620" marT="7620" marB="0" anchor="b"/>
+                </a:tc>
+                <a:extLst>
+                  <a:ext uri="{0D108BD9-81ED-4DB2-BD59-A6C34878D82A}">
+                    <a16:rowId xmlns:a16="http://schemas.microsoft.com/office/drawing/2014/main" val="1276537660"/>
+                  </a:ext>
+                </a:extLst>
+              </a:tr>
+              <a:tr h="182880">
+                <a:tc>
+                  <a:txBody>
+                    <a:bodyPr/>
+                    <a:lstStyle/>
+                    <a:p>
+                      <a:pPr algn="r" fontAlgn="b"/>
+                      <a:r>
+                        <a:rPr lang="pt-BR" sz="1100" u="none" strike="noStrike">
+                          <a:effectLst/>
+                        </a:rPr>
+                        <a:t>-868264809,99</a:t>
+                      </a:r>
+                      <a:endParaRPr lang="pt-BR" sz="1100" b="0" i="0" u="none" strike="noStrike">
+                        <a:solidFill>
+                          <a:srgbClr val="000000"/>
+                        </a:solidFill>
+                        <a:effectLst/>
+                        <a:latin typeface="Calibri" panose="020F0502020204030204" pitchFamily="34" charset="0"/>
+                      </a:endParaRPr>
+                    </a:p>
+                  </a:txBody>
+                  <a:tcPr marL="7620" marR="7620" marT="7620" marB="0" anchor="b"/>
+                </a:tc>
+                <a:tc>
+                  <a:txBody>
+                    <a:bodyPr/>
+                    <a:lstStyle/>
+                    <a:p>
+                      <a:pPr algn="r" fontAlgn="b"/>
+                      <a:r>
+                        <a:rPr lang="pt-BR" sz="1100" u="none" strike="noStrike">
+                          <a:effectLst/>
+                        </a:rPr>
+                        <a:t>-867807334,00</a:t>
+                      </a:r>
+                      <a:endParaRPr lang="pt-BR" sz="1100" b="0" i="0" u="none" strike="noStrike">
+                        <a:solidFill>
+                          <a:srgbClr val="000000"/>
+                        </a:solidFill>
+                        <a:effectLst/>
+                        <a:latin typeface="Calibri" panose="020F0502020204030204" pitchFamily="34" charset="0"/>
+                      </a:endParaRPr>
+                    </a:p>
+                  </a:txBody>
+                  <a:tcPr marL="7620" marR="7620" marT="7620" marB="0" anchor="b"/>
+                </a:tc>
+                <a:extLst>
+                  <a:ext uri="{0D108BD9-81ED-4DB2-BD59-A6C34878D82A}">
+                    <a16:rowId xmlns:a16="http://schemas.microsoft.com/office/drawing/2014/main" val="217849805"/>
+                  </a:ext>
+                </a:extLst>
+              </a:tr>
+              <a:tr h="182880">
+                <a:tc>
+                  <a:txBody>
+                    <a:bodyPr/>
+                    <a:lstStyle/>
+                    <a:p>
+                      <a:pPr algn="r" fontAlgn="b"/>
+                      <a:r>
+                        <a:rPr lang="pt-BR" sz="1100" u="none" strike="noStrike">
+                          <a:effectLst/>
+                        </a:rPr>
+                        <a:t>145490530,71</a:t>
+                      </a:r>
+                      <a:endParaRPr lang="pt-BR" sz="1100" b="0" i="0" u="none" strike="noStrike">
+                        <a:solidFill>
+                          <a:srgbClr val="000000"/>
+                        </a:solidFill>
+                        <a:effectLst/>
+                        <a:latin typeface="Calibri" panose="020F0502020204030204" pitchFamily="34" charset="0"/>
+                      </a:endParaRPr>
+                    </a:p>
+                  </a:txBody>
+                  <a:tcPr marL="7620" marR="7620" marT="7620" marB="0" anchor="b"/>
+                </a:tc>
+                <a:tc>
+                  <a:txBody>
+                    <a:bodyPr/>
+                    <a:lstStyle/>
+                    <a:p>
+                      <a:pPr algn="r" fontAlgn="b"/>
+                      <a:r>
+                        <a:rPr lang="pt-BR" sz="1100" u="none" strike="noStrike">
+                          <a:effectLst/>
+                        </a:rPr>
+                        <a:t>145938980,00</a:t>
+                      </a:r>
+                      <a:endParaRPr lang="pt-BR" sz="1100" b="0" i="0" u="none" strike="noStrike">
+                        <a:solidFill>
+                          <a:srgbClr val="000000"/>
+                        </a:solidFill>
+                        <a:effectLst/>
+                        <a:latin typeface="Calibri" panose="020F0502020204030204" pitchFamily="34" charset="0"/>
+                      </a:endParaRPr>
+                    </a:p>
+                  </a:txBody>
+                  <a:tcPr marL="7620" marR="7620" marT="7620" marB="0" anchor="b"/>
+                </a:tc>
+                <a:extLst>
+                  <a:ext uri="{0D108BD9-81ED-4DB2-BD59-A6C34878D82A}">
+                    <a16:rowId xmlns:a16="http://schemas.microsoft.com/office/drawing/2014/main" val="3146330230"/>
+                  </a:ext>
+                </a:extLst>
+              </a:tr>
+              <a:tr h="182880">
+                <a:tc>
+                  <a:txBody>
+                    <a:bodyPr/>
+                    <a:lstStyle/>
+                    <a:p>
+                      <a:pPr algn="r" fontAlgn="b"/>
+                      <a:r>
+                        <a:rPr lang="pt-BR" sz="1100" u="none" strike="noStrike">
+                          <a:effectLst/>
+                        </a:rPr>
+                        <a:t>200334541,39</a:t>
+                      </a:r>
+                      <a:endParaRPr lang="pt-BR" sz="1100" b="0" i="0" u="none" strike="noStrike">
+                        <a:solidFill>
+                          <a:srgbClr val="000000"/>
+                        </a:solidFill>
+                        <a:effectLst/>
+                        <a:latin typeface="Calibri" panose="020F0502020204030204" pitchFamily="34" charset="0"/>
+                      </a:endParaRPr>
+                    </a:p>
+                  </a:txBody>
+                  <a:tcPr marL="7620" marR="7620" marT="7620" marB="0" anchor="b"/>
+                </a:tc>
+                <a:tc>
+                  <a:txBody>
+                    <a:bodyPr/>
+                    <a:lstStyle/>
+                    <a:p>
+                      <a:pPr algn="r" fontAlgn="b"/>
+                      <a:r>
+                        <a:rPr lang="pt-BR" sz="1100" u="none" strike="noStrike">
+                          <a:effectLst/>
+                        </a:rPr>
+                        <a:t>200000000,00</a:t>
+                      </a:r>
+                      <a:endParaRPr lang="pt-BR" sz="1100" b="0" i="0" u="none" strike="noStrike">
+                        <a:solidFill>
+                          <a:srgbClr val="000000"/>
+                        </a:solidFill>
+                        <a:effectLst/>
+                        <a:latin typeface="Calibri" panose="020F0502020204030204" pitchFamily="34" charset="0"/>
+                      </a:endParaRPr>
+                    </a:p>
+                  </a:txBody>
+                  <a:tcPr marL="7620" marR="7620" marT="7620" marB="0" anchor="b"/>
+                </a:tc>
+                <a:extLst>
+                  <a:ext uri="{0D108BD9-81ED-4DB2-BD59-A6C34878D82A}">
+                    <a16:rowId xmlns:a16="http://schemas.microsoft.com/office/drawing/2014/main" val="2696902580"/>
+                  </a:ext>
+                </a:extLst>
+              </a:tr>
+              <a:tr h="182880">
+                <a:tc>
+                  <a:txBody>
+                    <a:bodyPr/>
+                    <a:lstStyle/>
+                    <a:p>
+                      <a:pPr algn="r" fontAlgn="b"/>
+                      <a:r>
+                        <a:rPr lang="pt-BR" sz="1100" u="none" strike="noStrike">
+                          <a:effectLst/>
+                        </a:rPr>
+                        <a:t>368852639,16</a:t>
+                      </a:r>
+                      <a:endParaRPr lang="pt-BR" sz="1100" b="0" i="0" u="none" strike="noStrike">
+                        <a:solidFill>
+                          <a:srgbClr val="000000"/>
+                        </a:solidFill>
+                        <a:effectLst/>
+                        <a:latin typeface="Calibri" panose="020F0502020204030204" pitchFamily="34" charset="0"/>
+                      </a:endParaRPr>
+                    </a:p>
+                  </a:txBody>
+                  <a:tcPr marL="7620" marR="7620" marT="7620" marB="0" anchor="b"/>
+                </a:tc>
+                <a:tc>
+                  <a:txBody>
+                    <a:bodyPr/>
+                    <a:lstStyle/>
+                    <a:p>
+                      <a:pPr algn="r" fontAlgn="b"/>
+                      <a:r>
+                        <a:rPr lang="pt-BR" sz="1100" u="none" strike="noStrike">
+                          <a:effectLst/>
+                        </a:rPr>
+                        <a:t>369139773,00</a:t>
+                      </a:r>
+                      <a:endParaRPr lang="pt-BR" sz="1100" b="0" i="0" u="none" strike="noStrike">
+                        <a:solidFill>
+                          <a:srgbClr val="000000"/>
+                        </a:solidFill>
+                        <a:effectLst/>
+                        <a:latin typeface="Calibri" panose="020F0502020204030204" pitchFamily="34" charset="0"/>
+                      </a:endParaRPr>
+                    </a:p>
+                  </a:txBody>
+                  <a:tcPr marL="7620" marR="7620" marT="7620" marB="0" anchor="b"/>
+                </a:tc>
+                <a:extLst>
+                  <a:ext uri="{0D108BD9-81ED-4DB2-BD59-A6C34878D82A}">
+                    <a16:rowId xmlns:a16="http://schemas.microsoft.com/office/drawing/2014/main" val="590638519"/>
+                  </a:ext>
+                </a:extLst>
+              </a:tr>
+              <a:tr h="182880">
+                <a:tc>
+                  <a:txBody>
+                    <a:bodyPr/>
+                    <a:lstStyle/>
+                    <a:p>
+                      <a:pPr algn="r" fontAlgn="b"/>
+                      <a:r>
+                        <a:rPr lang="pt-BR" sz="1100" u="none" strike="noStrike">
+                          <a:effectLst/>
+                        </a:rPr>
+                        <a:t>-729634487,92</a:t>
+                      </a:r>
+                      <a:endParaRPr lang="pt-BR" sz="1100" b="0" i="0" u="none" strike="noStrike">
+                        <a:solidFill>
+                          <a:srgbClr val="000000"/>
+                        </a:solidFill>
+                        <a:effectLst/>
+                        <a:latin typeface="Calibri" panose="020F0502020204030204" pitchFamily="34" charset="0"/>
+                      </a:endParaRPr>
+                    </a:p>
+                  </a:txBody>
+                  <a:tcPr marL="7620" marR="7620" marT="7620" marB="0" anchor="b"/>
+                </a:tc>
+                <a:tc>
+                  <a:txBody>
+                    <a:bodyPr/>
+                    <a:lstStyle/>
+                    <a:p>
+                      <a:pPr algn="r" fontAlgn="b"/>
+                      <a:r>
+                        <a:rPr lang="pt-BR" sz="1100" u="none" strike="noStrike">
+                          <a:effectLst/>
+                        </a:rPr>
+                        <a:t>-729384078,00</a:t>
+                      </a:r>
+                      <a:endParaRPr lang="pt-BR" sz="1100" b="0" i="0" u="none" strike="noStrike">
+                        <a:solidFill>
+                          <a:srgbClr val="000000"/>
+                        </a:solidFill>
+                        <a:effectLst/>
+                        <a:latin typeface="Calibri" panose="020F0502020204030204" pitchFamily="34" charset="0"/>
+                      </a:endParaRPr>
+                    </a:p>
+                  </a:txBody>
+                  <a:tcPr marL="7620" marR="7620" marT="7620" marB="0" anchor="b"/>
+                </a:tc>
+                <a:extLst>
+                  <a:ext uri="{0D108BD9-81ED-4DB2-BD59-A6C34878D82A}">
+                    <a16:rowId xmlns:a16="http://schemas.microsoft.com/office/drawing/2014/main" val="294384068"/>
+                  </a:ext>
+                </a:extLst>
+              </a:tr>
+              <a:tr h="182880">
+                <a:tc>
+                  <a:txBody>
+                    <a:bodyPr/>
+                    <a:lstStyle/>
+                    <a:p>
+                      <a:pPr algn="r" fontAlgn="b"/>
+                      <a:r>
+                        <a:rPr lang="pt-BR" sz="1100" u="none" strike="noStrike">
+                          <a:effectLst/>
+                        </a:rPr>
+                        <a:t>-369106461,53</a:t>
+                      </a:r>
+                      <a:endParaRPr lang="pt-BR" sz="1100" b="0" i="0" u="none" strike="noStrike">
+                        <a:solidFill>
+                          <a:srgbClr val="000000"/>
+                        </a:solidFill>
+                        <a:effectLst/>
+                        <a:latin typeface="Calibri" panose="020F0502020204030204" pitchFamily="34" charset="0"/>
+                      </a:endParaRPr>
+                    </a:p>
+                  </a:txBody>
+                  <a:tcPr marL="7620" marR="7620" marT="7620" marB="0" anchor="b"/>
+                </a:tc>
+                <a:tc>
+                  <a:txBody>
+                    <a:bodyPr/>
+                    <a:lstStyle/>
+                    <a:p>
+                      <a:pPr algn="r" fontAlgn="b"/>
+                      <a:r>
+                        <a:rPr lang="pt-BR" sz="1100" u="none" strike="noStrike">
+                          <a:effectLst/>
+                        </a:rPr>
+                        <a:t>-369139773,00</a:t>
+                      </a:r>
+                      <a:endParaRPr lang="pt-BR" sz="1100" b="0" i="0" u="none" strike="noStrike">
+                        <a:solidFill>
+                          <a:srgbClr val="000000"/>
+                        </a:solidFill>
+                        <a:effectLst/>
+                        <a:latin typeface="Calibri" panose="020F0502020204030204" pitchFamily="34" charset="0"/>
+                      </a:endParaRPr>
+                    </a:p>
+                  </a:txBody>
+                  <a:tcPr marL="7620" marR="7620" marT="7620" marB="0" anchor="b"/>
+                </a:tc>
+                <a:extLst>
+                  <a:ext uri="{0D108BD9-81ED-4DB2-BD59-A6C34878D82A}">
+                    <a16:rowId xmlns:a16="http://schemas.microsoft.com/office/drawing/2014/main" val="4009407600"/>
+                  </a:ext>
+                </a:extLst>
+              </a:tr>
+              <a:tr h="182880">
+                <a:tc>
+                  <a:txBody>
+                    <a:bodyPr/>
+                    <a:lstStyle/>
+                    <a:p>
+                      <a:pPr algn="r" fontAlgn="b"/>
+                      <a:r>
+                        <a:rPr lang="pt-BR" sz="1100" u="none" strike="noStrike">
+                          <a:effectLst/>
+                        </a:rPr>
+                        <a:t>609634740,34</a:t>
+                      </a:r>
+                      <a:endParaRPr lang="pt-BR" sz="1100" b="0" i="0" u="none" strike="noStrike">
+                        <a:solidFill>
+                          <a:srgbClr val="000000"/>
+                        </a:solidFill>
+                        <a:effectLst/>
+                        <a:latin typeface="Calibri" panose="020F0502020204030204" pitchFamily="34" charset="0"/>
+                      </a:endParaRPr>
+                    </a:p>
+                  </a:txBody>
+                  <a:tcPr marL="7620" marR="7620" marT="7620" marB="0" anchor="b"/>
+                </a:tc>
+                <a:tc>
+                  <a:txBody>
+                    <a:bodyPr/>
+                    <a:lstStyle/>
+                    <a:p>
+                      <a:pPr algn="r" fontAlgn="b"/>
+                      <a:r>
+                        <a:rPr lang="pt-BR" sz="1100" u="none" strike="noStrike">
+                          <a:effectLst/>
+                        </a:rPr>
+                        <a:t>609523810,00</a:t>
+                      </a:r>
+                      <a:endParaRPr lang="pt-BR" sz="1100" b="0" i="0" u="none" strike="noStrike">
+                        <a:solidFill>
+                          <a:srgbClr val="000000"/>
+                        </a:solidFill>
+                        <a:effectLst/>
+                        <a:latin typeface="Calibri" panose="020F0502020204030204" pitchFamily="34" charset="0"/>
+                      </a:endParaRPr>
+                    </a:p>
+                  </a:txBody>
+                  <a:tcPr marL="7620" marR="7620" marT="7620" marB="0" anchor="b"/>
+                </a:tc>
+                <a:extLst>
+                  <a:ext uri="{0D108BD9-81ED-4DB2-BD59-A6C34878D82A}">
+                    <a16:rowId xmlns:a16="http://schemas.microsoft.com/office/drawing/2014/main" val="106946639"/>
+                  </a:ext>
+                </a:extLst>
+              </a:tr>
+              <a:tr h="182880">
+                <a:tc>
+                  <a:txBody>
+                    <a:bodyPr/>
+                    <a:lstStyle/>
+                    <a:p>
+                      <a:pPr algn="r" fontAlgn="b"/>
+                      <a:r>
+                        <a:rPr lang="pt-BR" sz="1100" u="none" strike="noStrike">
+                          <a:effectLst/>
+                        </a:rPr>
+                        <a:t>-681687103,41</a:t>
+                      </a:r>
+                      <a:endParaRPr lang="pt-BR" sz="1100" b="0" i="0" u="none" strike="noStrike">
+                        <a:solidFill>
+                          <a:srgbClr val="000000"/>
+                        </a:solidFill>
+                        <a:effectLst/>
+                        <a:latin typeface="Calibri" panose="020F0502020204030204" pitchFamily="34" charset="0"/>
+                      </a:endParaRPr>
+                    </a:p>
+                  </a:txBody>
+                  <a:tcPr marL="7620" marR="7620" marT="7620" marB="0" anchor="b"/>
+                </a:tc>
+                <a:tc>
+                  <a:txBody>
+                    <a:bodyPr/>
+                    <a:lstStyle/>
+                    <a:p>
+                      <a:pPr algn="r" fontAlgn="b"/>
+                      <a:r>
+                        <a:rPr lang="pt-BR" sz="1100" u="none" strike="noStrike" dirty="0">
+                          <a:effectLst/>
+                        </a:rPr>
+                        <a:t>-681468336,00</a:t>
+                      </a:r>
+                      <a:endParaRPr lang="pt-BR" sz="1100" b="0" i="0" u="none" strike="noStrike" dirty="0">
+                        <a:solidFill>
+                          <a:srgbClr val="000000"/>
+                        </a:solidFill>
+                        <a:effectLst/>
+                        <a:latin typeface="Calibri" panose="020F0502020204030204" pitchFamily="34" charset="0"/>
+                      </a:endParaRPr>
+                    </a:p>
+                  </a:txBody>
+                  <a:tcPr marL="7620" marR="7620" marT="7620" marB="0" anchor="b"/>
+                </a:tc>
+                <a:extLst>
+                  <a:ext uri="{0D108BD9-81ED-4DB2-BD59-A6C34878D82A}">
+                    <a16:rowId xmlns:a16="http://schemas.microsoft.com/office/drawing/2014/main" val="4293446240"/>
+                  </a:ext>
+                </a:extLst>
+              </a:tr>
+            </a:tbl>
+          </a:graphicData>
+        </a:graphic>
+      </p:graphicFrame>
+      <p:graphicFrame>
+        <p:nvGraphicFramePr>
+          <p:cNvPr id="4" name="Tabela 3">
+            <a:extLst>
+              <a:ext uri="{FF2B5EF4-FFF2-40B4-BE49-F238E27FC236}">
+                <a16:creationId xmlns:a16="http://schemas.microsoft.com/office/drawing/2014/main" id="{10E9AE59-1440-794A-0FA7-7513DDF726A5}"/>
+              </a:ext>
+            </a:extLst>
+          </p:cNvPr>
+          <p:cNvGraphicFramePr>
+            <a:graphicFrameLocks noGrp="1"/>
+          </p:cNvGraphicFramePr>
+          <p:nvPr>
+            <p:extLst>
+              <p:ext uri="{D42A27DB-BD31-4B8C-83A1-F6EECF244321}">
+                <p14:modId xmlns:p14="http://schemas.microsoft.com/office/powerpoint/2010/main" val="2662806378"/>
+              </p:ext>
+            </p:extLst>
+          </p:nvPr>
+        </p:nvGraphicFramePr>
+        <p:xfrm>
+          <a:off x="4045634" y="34032825"/>
+          <a:ext cx="2870200" cy="2926080"/>
+        </p:xfrm>
+        <a:graphic>
+          <a:graphicData uri="http://schemas.openxmlformats.org/drawingml/2006/table">
+            <a:tbl>
+              <a:tblPr>
+                <a:tableStyleId>{5C22544A-7EE6-4342-B048-85BDC9FD1C3A}</a:tableStyleId>
+              </a:tblPr>
+              <a:tblGrid>
+                <a:gridCol w="1473116">
+                  <a:extLst>
+                    <a:ext uri="{9D8B030D-6E8A-4147-A177-3AD203B41FA5}">
+                      <a16:colId xmlns:a16="http://schemas.microsoft.com/office/drawing/2014/main" val="4188181907"/>
+                    </a:ext>
+                  </a:extLst>
+                </a:gridCol>
+                <a:gridCol w="1397084">
+                  <a:extLst>
+                    <a:ext uri="{9D8B030D-6E8A-4147-A177-3AD203B41FA5}">
+                      <a16:colId xmlns:a16="http://schemas.microsoft.com/office/drawing/2014/main" val="263223882"/>
+                    </a:ext>
+                  </a:extLst>
+                </a:gridCol>
+              </a:tblGrid>
+              <a:tr h="182880">
+                <a:tc gridSpan="2">
+                  <a:txBody>
+                    <a:bodyPr/>
+                    <a:lstStyle/>
+                    <a:p>
+                      <a:pPr algn="ctr" fontAlgn="b"/>
+                      <a:r>
+                        <a:rPr lang="pt-BR" sz="1100" u="none" strike="noStrike">
+                          <a:effectLst/>
+                        </a:rPr>
+                        <a:t>Deslocamentos (m)</a:t>
+                      </a:r>
+                      <a:endParaRPr lang="pt-BR" sz="1100" b="1" i="0" u="none" strike="noStrike">
+                        <a:solidFill>
+                          <a:srgbClr val="000000"/>
+                        </a:solidFill>
+                        <a:effectLst/>
+                        <a:latin typeface="Calibri" panose="020F0502020204030204" pitchFamily="34" charset="0"/>
+                      </a:endParaRPr>
+                    </a:p>
+                  </a:txBody>
+                  <a:tcPr marL="7620" marR="7620" marT="7620" marB="0" anchor="b"/>
+                </a:tc>
+                <a:tc hMerge="1">
+                  <a:txBody>
+                    <a:bodyPr/>
+                    <a:lstStyle/>
+                    <a:p>
+                      <a:endParaRPr lang="pt-BR"/>
+                    </a:p>
+                  </a:txBody>
+                  <a:tcPr/>
+                </a:tc>
+                <a:extLst>
+                  <a:ext uri="{0D108BD9-81ED-4DB2-BD59-A6C34878D82A}">
+                    <a16:rowId xmlns:a16="http://schemas.microsoft.com/office/drawing/2014/main" val="1132599309"/>
+                  </a:ext>
+                </a:extLst>
+              </a:tr>
+              <a:tr h="182880">
+                <a:tc>
+                  <a:txBody>
+                    <a:bodyPr/>
+                    <a:lstStyle/>
+                    <a:p>
+                      <a:pPr algn="l" fontAlgn="b"/>
+                      <a:r>
+                        <a:rPr lang="pt-BR" sz="1100" u="none" strike="noStrike">
+                          <a:effectLst/>
+                        </a:rPr>
+                        <a:t>Dados do Lisa</a:t>
+                      </a:r>
+                      <a:endParaRPr lang="pt-BR" sz="1100" b="1" i="0" u="none" strike="noStrike">
+                        <a:solidFill>
+                          <a:srgbClr val="000000"/>
+                        </a:solidFill>
+                        <a:effectLst/>
+                        <a:latin typeface="Calibri" panose="020F0502020204030204" pitchFamily="34" charset="0"/>
+                      </a:endParaRPr>
+                    </a:p>
+                  </a:txBody>
+                  <a:tcPr marL="7620" marR="7620" marT="7620" marB="0" anchor="b"/>
+                </a:tc>
+                <a:tc>
+                  <a:txBody>
+                    <a:bodyPr/>
+                    <a:lstStyle/>
+                    <a:p>
+                      <a:pPr algn="l" fontAlgn="b"/>
+                      <a:r>
+                        <a:rPr lang="pt-BR" sz="1100" u="none" strike="noStrike">
+                          <a:effectLst/>
+                        </a:rPr>
+                        <a:t>Dados do Python</a:t>
+                      </a:r>
+                      <a:endParaRPr lang="pt-BR" sz="1100" b="1" i="0" u="none" strike="noStrike">
+                        <a:solidFill>
+                          <a:srgbClr val="000000"/>
+                        </a:solidFill>
+                        <a:effectLst/>
+                        <a:latin typeface="Calibri" panose="020F0502020204030204" pitchFamily="34" charset="0"/>
+                      </a:endParaRPr>
+                    </a:p>
+                  </a:txBody>
+                  <a:tcPr marL="7620" marR="7620" marT="7620" marB="0" anchor="b"/>
+                </a:tc>
+                <a:extLst>
+                  <a:ext uri="{0D108BD9-81ED-4DB2-BD59-A6C34878D82A}">
+                    <a16:rowId xmlns:a16="http://schemas.microsoft.com/office/drawing/2014/main" val="2161632469"/>
+                  </a:ext>
+                </a:extLst>
+              </a:tr>
+              <a:tr h="182880">
+                <a:tc>
+                  <a:txBody>
+                    <a:bodyPr/>
+                    <a:lstStyle/>
+                    <a:p>
+                      <a:pPr algn="r" fontAlgn="b"/>
+                      <a:r>
+                        <a:rPr lang="pt-BR" sz="1100" u="none" strike="noStrike">
+                          <a:effectLst/>
+                        </a:rPr>
+                        <a:t>0</a:t>
+                      </a:r>
+                      <a:endParaRPr lang="pt-BR" sz="1100" b="0" i="0" u="none" strike="noStrike">
+                        <a:solidFill>
+                          <a:srgbClr val="000000"/>
+                        </a:solidFill>
+                        <a:effectLst/>
+                        <a:latin typeface="Calibri" panose="020F0502020204030204" pitchFamily="34" charset="0"/>
+                      </a:endParaRPr>
+                    </a:p>
+                  </a:txBody>
+                  <a:tcPr marL="7620" marR="7620" marT="7620" marB="0" anchor="b"/>
+                </a:tc>
+                <a:tc>
+                  <a:txBody>
+                    <a:bodyPr/>
+                    <a:lstStyle/>
+                    <a:p>
+                      <a:pPr algn="r" fontAlgn="b"/>
+                      <a:r>
+                        <a:rPr lang="pt-BR" sz="1100" u="none" strike="noStrike">
+                          <a:effectLst/>
+                        </a:rPr>
+                        <a:t>0</a:t>
+                      </a:r>
+                      <a:endParaRPr lang="pt-BR" sz="1100" b="0" i="0" u="none" strike="noStrike">
+                        <a:solidFill>
+                          <a:srgbClr val="000000"/>
+                        </a:solidFill>
+                        <a:effectLst/>
+                        <a:latin typeface="Calibri" panose="020F0502020204030204" pitchFamily="34" charset="0"/>
+                      </a:endParaRPr>
+                    </a:p>
+                  </a:txBody>
+                  <a:tcPr marL="7620" marR="7620" marT="7620" marB="0" anchor="b"/>
+                </a:tc>
+                <a:extLst>
+                  <a:ext uri="{0D108BD9-81ED-4DB2-BD59-A6C34878D82A}">
+                    <a16:rowId xmlns:a16="http://schemas.microsoft.com/office/drawing/2014/main" val="981627745"/>
+                  </a:ext>
+                </a:extLst>
+              </a:tr>
+              <a:tr h="182880">
+                <a:tc>
+                  <a:txBody>
+                    <a:bodyPr/>
+                    <a:lstStyle/>
+                    <a:p>
+                      <a:pPr algn="r" fontAlgn="b"/>
+                      <a:r>
+                        <a:rPr lang="pt-BR" sz="1100" u="none" strike="noStrike">
+                          <a:effectLst/>
+                        </a:rPr>
+                        <a:t>0</a:t>
+                      </a:r>
+                      <a:endParaRPr lang="pt-BR" sz="1100" b="0" i="0" u="none" strike="noStrike">
+                        <a:solidFill>
+                          <a:srgbClr val="000000"/>
+                        </a:solidFill>
+                        <a:effectLst/>
+                        <a:latin typeface="Calibri" panose="020F0502020204030204" pitchFamily="34" charset="0"/>
+                      </a:endParaRPr>
+                    </a:p>
+                  </a:txBody>
+                  <a:tcPr marL="7620" marR="7620" marT="7620" marB="0" anchor="b"/>
+                </a:tc>
+                <a:tc>
+                  <a:txBody>
+                    <a:bodyPr/>
+                    <a:lstStyle/>
+                    <a:p>
+                      <a:pPr algn="r" fontAlgn="b"/>
+                      <a:r>
+                        <a:rPr lang="pt-BR" sz="1100" u="none" strike="noStrike">
+                          <a:effectLst/>
+                        </a:rPr>
+                        <a:t>0</a:t>
+                      </a:r>
+                      <a:endParaRPr lang="pt-BR" sz="1100" b="0" i="0" u="none" strike="noStrike">
+                        <a:solidFill>
+                          <a:srgbClr val="000000"/>
+                        </a:solidFill>
+                        <a:effectLst/>
+                        <a:latin typeface="Calibri" panose="020F0502020204030204" pitchFamily="34" charset="0"/>
+                      </a:endParaRPr>
+                    </a:p>
+                  </a:txBody>
+                  <a:tcPr marL="7620" marR="7620" marT="7620" marB="0" anchor="b"/>
+                </a:tc>
+                <a:extLst>
+                  <a:ext uri="{0D108BD9-81ED-4DB2-BD59-A6C34878D82A}">
+                    <a16:rowId xmlns:a16="http://schemas.microsoft.com/office/drawing/2014/main" val="3222646468"/>
+                  </a:ext>
+                </a:extLst>
+              </a:tr>
+              <a:tr h="182880">
+                <a:tc>
+                  <a:txBody>
+                    <a:bodyPr/>
+                    <a:lstStyle/>
+                    <a:p>
+                      <a:pPr algn="r" fontAlgn="b"/>
+                      <a:r>
+                        <a:rPr lang="pt-BR" sz="1100" u="none" strike="noStrike">
+                          <a:effectLst/>
+                        </a:rPr>
+                        <a:t>0,00097014</a:t>
+                      </a:r>
+                      <a:endParaRPr lang="pt-BR" sz="1100" b="0" i="0" u="none" strike="noStrike">
+                        <a:solidFill>
+                          <a:srgbClr val="000000"/>
+                        </a:solidFill>
+                        <a:effectLst/>
+                        <a:latin typeface="Calibri" panose="020F0502020204030204" pitchFamily="34" charset="0"/>
+                      </a:endParaRPr>
+                    </a:p>
+                  </a:txBody>
+                  <a:tcPr marL="7620" marR="7620" marT="7620" marB="0" anchor="b"/>
+                </a:tc>
+                <a:tc>
+                  <a:txBody>
+                    <a:bodyPr/>
+                    <a:lstStyle/>
+                    <a:p>
+                      <a:pPr algn="r" fontAlgn="b"/>
+                      <a:r>
+                        <a:rPr lang="pt-BR" sz="1100" u="none" strike="noStrike">
+                          <a:effectLst/>
+                        </a:rPr>
+                        <a:t>0,00097028</a:t>
+                      </a:r>
+                      <a:endParaRPr lang="pt-BR" sz="1100" b="0" i="0" u="none" strike="noStrike">
+                        <a:solidFill>
+                          <a:srgbClr val="000000"/>
+                        </a:solidFill>
+                        <a:effectLst/>
+                        <a:latin typeface="Calibri" panose="020F0502020204030204" pitchFamily="34" charset="0"/>
+                      </a:endParaRPr>
+                    </a:p>
+                  </a:txBody>
+                  <a:tcPr marL="7620" marR="7620" marT="7620" marB="0" anchor="b"/>
+                </a:tc>
+                <a:extLst>
+                  <a:ext uri="{0D108BD9-81ED-4DB2-BD59-A6C34878D82A}">
+                    <a16:rowId xmlns:a16="http://schemas.microsoft.com/office/drawing/2014/main" val="635188191"/>
+                  </a:ext>
+                </a:extLst>
+              </a:tr>
+              <a:tr h="182880">
+                <a:tc>
+                  <a:txBody>
+                    <a:bodyPr/>
+                    <a:lstStyle/>
+                    <a:p>
+                      <a:pPr algn="r" fontAlgn="b"/>
+                      <a:r>
+                        <a:rPr lang="pt-BR" sz="1100" u="none" strike="noStrike">
+                          <a:effectLst/>
+                        </a:rPr>
+                        <a:t>-0,004165004</a:t>
+                      </a:r>
+                      <a:endParaRPr lang="pt-BR" sz="1100" b="0" i="0" u="none" strike="noStrike">
+                        <a:solidFill>
+                          <a:srgbClr val="000000"/>
+                        </a:solidFill>
+                        <a:effectLst/>
+                        <a:latin typeface="Calibri" panose="020F0502020204030204" pitchFamily="34" charset="0"/>
+                      </a:endParaRPr>
+                    </a:p>
+                  </a:txBody>
+                  <a:tcPr marL="7620" marR="7620" marT="7620" marB="0" anchor="b"/>
+                </a:tc>
+                <a:tc>
+                  <a:txBody>
+                    <a:bodyPr/>
+                    <a:lstStyle/>
+                    <a:p>
+                      <a:pPr algn="r" fontAlgn="b"/>
+                      <a:r>
+                        <a:rPr lang="pt-BR" sz="1100" u="none" strike="noStrike">
+                          <a:effectLst/>
+                        </a:rPr>
+                        <a:t>-0,00416384</a:t>
+                      </a:r>
+                      <a:endParaRPr lang="pt-BR" sz="1100" b="0" i="0" u="none" strike="noStrike">
+                        <a:solidFill>
+                          <a:srgbClr val="000000"/>
+                        </a:solidFill>
+                        <a:effectLst/>
+                        <a:latin typeface="Calibri" panose="020F0502020204030204" pitchFamily="34" charset="0"/>
+                      </a:endParaRPr>
+                    </a:p>
+                  </a:txBody>
+                  <a:tcPr marL="7620" marR="7620" marT="7620" marB="0" anchor="b"/>
+                </a:tc>
+                <a:extLst>
+                  <a:ext uri="{0D108BD9-81ED-4DB2-BD59-A6C34878D82A}">
+                    <a16:rowId xmlns:a16="http://schemas.microsoft.com/office/drawing/2014/main" val="990711638"/>
+                  </a:ext>
+                </a:extLst>
+              </a:tr>
+              <a:tr h="182880">
+                <a:tc>
+                  <a:txBody>
+                    <a:bodyPr/>
+                    <a:lstStyle/>
+                    <a:p>
+                      <a:pPr algn="r" fontAlgn="b"/>
+                      <a:r>
+                        <a:rPr lang="pt-BR" sz="1100" u="none" strike="noStrike">
+                          <a:effectLst/>
+                        </a:rPr>
+                        <a:t>0,00034723</a:t>
+                      </a:r>
+                      <a:endParaRPr lang="pt-BR" sz="1100" b="0" i="0" u="none" strike="noStrike">
+                        <a:solidFill>
+                          <a:srgbClr val="000000"/>
+                        </a:solidFill>
+                        <a:effectLst/>
+                        <a:latin typeface="Calibri" panose="020F0502020204030204" pitchFamily="34" charset="0"/>
+                      </a:endParaRPr>
+                    </a:p>
+                  </a:txBody>
+                  <a:tcPr marL="7620" marR="7620" marT="7620" marB="0" anchor="b"/>
+                </a:tc>
+                <a:tc>
+                  <a:txBody>
+                    <a:bodyPr/>
+                    <a:lstStyle/>
+                    <a:p>
+                      <a:pPr algn="r" fontAlgn="b"/>
+                      <a:r>
+                        <a:rPr lang="pt-BR" sz="1100" u="none" strike="noStrike">
+                          <a:effectLst/>
+                        </a:rPr>
+                        <a:t>0,00034743</a:t>
+                      </a:r>
+                      <a:endParaRPr lang="pt-BR" sz="1100" b="0" i="0" u="none" strike="noStrike">
+                        <a:solidFill>
+                          <a:srgbClr val="000000"/>
+                        </a:solidFill>
+                        <a:effectLst/>
+                        <a:latin typeface="Calibri" panose="020F0502020204030204" pitchFamily="34" charset="0"/>
+                      </a:endParaRPr>
+                    </a:p>
+                  </a:txBody>
+                  <a:tcPr marL="7620" marR="7620" marT="7620" marB="0" anchor="b"/>
+                </a:tc>
+                <a:extLst>
+                  <a:ext uri="{0D108BD9-81ED-4DB2-BD59-A6C34878D82A}">
+                    <a16:rowId xmlns:a16="http://schemas.microsoft.com/office/drawing/2014/main" val="604487769"/>
+                  </a:ext>
+                </a:extLst>
+              </a:tr>
+              <a:tr h="182880">
+                <a:tc>
+                  <a:txBody>
+                    <a:bodyPr/>
+                    <a:lstStyle/>
+                    <a:p>
+                      <a:pPr algn="r" fontAlgn="b"/>
+                      <a:r>
+                        <a:rPr lang="pt-BR" sz="1100" u="none" strike="noStrike">
+                          <a:effectLst/>
+                        </a:rPr>
+                        <a:t>-0,004504525</a:t>
+                      </a:r>
+                      <a:endParaRPr lang="pt-BR" sz="1100" b="0" i="0" u="none" strike="noStrike">
+                        <a:solidFill>
+                          <a:srgbClr val="000000"/>
+                        </a:solidFill>
+                        <a:effectLst/>
+                        <a:latin typeface="Calibri" panose="020F0502020204030204" pitchFamily="34" charset="0"/>
+                      </a:endParaRPr>
+                    </a:p>
+                  </a:txBody>
+                  <a:tcPr marL="7620" marR="7620" marT="7620" marB="0" anchor="b"/>
+                </a:tc>
+                <a:tc>
+                  <a:txBody>
+                    <a:bodyPr/>
+                    <a:lstStyle/>
+                    <a:p>
+                      <a:pPr algn="r" fontAlgn="b"/>
+                      <a:r>
+                        <a:rPr lang="pt-BR" sz="1100" u="none" strike="noStrike">
+                          <a:effectLst/>
+                        </a:rPr>
+                        <a:t>-0,00450318</a:t>
+                      </a:r>
+                      <a:endParaRPr lang="pt-BR" sz="1100" b="0" i="0" u="none" strike="noStrike">
+                        <a:solidFill>
+                          <a:srgbClr val="000000"/>
+                        </a:solidFill>
+                        <a:effectLst/>
+                        <a:latin typeface="Calibri" panose="020F0502020204030204" pitchFamily="34" charset="0"/>
+                      </a:endParaRPr>
+                    </a:p>
+                  </a:txBody>
+                  <a:tcPr marL="7620" marR="7620" marT="7620" marB="0" anchor="b"/>
+                </a:tc>
+                <a:extLst>
+                  <a:ext uri="{0D108BD9-81ED-4DB2-BD59-A6C34878D82A}">
+                    <a16:rowId xmlns:a16="http://schemas.microsoft.com/office/drawing/2014/main" val="1146337820"/>
+                  </a:ext>
+                </a:extLst>
+              </a:tr>
+              <a:tr h="182880">
+                <a:tc>
+                  <a:txBody>
+                    <a:bodyPr/>
+                    <a:lstStyle/>
+                    <a:p>
+                      <a:pPr algn="r" fontAlgn="b"/>
+                      <a:r>
+                        <a:rPr lang="pt-BR" sz="1100" u="none" strike="noStrike">
+                          <a:effectLst/>
+                        </a:rPr>
+                        <a:t>0,000250595</a:t>
+                      </a:r>
+                      <a:endParaRPr lang="pt-BR" sz="1100" b="0" i="0" u="none" strike="noStrike">
+                        <a:solidFill>
+                          <a:srgbClr val="000000"/>
+                        </a:solidFill>
+                        <a:effectLst/>
+                        <a:latin typeface="Calibri" panose="020F0502020204030204" pitchFamily="34" charset="0"/>
+                      </a:endParaRPr>
+                    </a:p>
+                  </a:txBody>
+                  <a:tcPr marL="7620" marR="7620" marT="7620" marB="0" anchor="b"/>
+                </a:tc>
+                <a:tc>
+                  <a:txBody>
+                    <a:bodyPr/>
+                    <a:lstStyle/>
+                    <a:p>
+                      <a:pPr algn="r" fontAlgn="b"/>
+                      <a:r>
+                        <a:rPr lang="pt-BR" sz="1100" u="none" strike="noStrike">
+                          <a:effectLst/>
+                        </a:rPr>
+                        <a:t>0,00025083</a:t>
+                      </a:r>
+                      <a:endParaRPr lang="pt-BR" sz="1100" b="0" i="0" u="none" strike="noStrike">
+                        <a:solidFill>
+                          <a:srgbClr val="000000"/>
+                        </a:solidFill>
+                        <a:effectLst/>
+                        <a:latin typeface="Calibri" panose="020F0502020204030204" pitchFamily="34" charset="0"/>
+                      </a:endParaRPr>
+                    </a:p>
+                  </a:txBody>
+                  <a:tcPr marL="7620" marR="7620" marT="7620" marB="0" anchor="b"/>
+                </a:tc>
+                <a:extLst>
+                  <a:ext uri="{0D108BD9-81ED-4DB2-BD59-A6C34878D82A}">
+                    <a16:rowId xmlns:a16="http://schemas.microsoft.com/office/drawing/2014/main" val="1360449212"/>
+                  </a:ext>
+                </a:extLst>
+              </a:tr>
+              <a:tr h="182880">
+                <a:tc>
+                  <a:txBody>
+                    <a:bodyPr/>
+                    <a:lstStyle/>
+                    <a:p>
+                      <a:pPr algn="r" fontAlgn="b"/>
+                      <a:r>
+                        <a:rPr lang="pt-BR" sz="1100" u="none" strike="noStrike">
+                          <a:effectLst/>
+                        </a:rPr>
+                        <a:t>-0,004288791</a:t>
+                      </a:r>
+                      <a:endParaRPr lang="pt-BR" sz="1100" b="0" i="0" u="none" strike="noStrike">
+                        <a:solidFill>
+                          <a:srgbClr val="000000"/>
+                        </a:solidFill>
+                        <a:effectLst/>
+                        <a:latin typeface="Calibri" panose="020F0502020204030204" pitchFamily="34" charset="0"/>
+                      </a:endParaRPr>
+                    </a:p>
+                  </a:txBody>
+                  <a:tcPr marL="7620" marR="7620" marT="7620" marB="0" anchor="b"/>
+                </a:tc>
+                <a:tc>
+                  <a:txBody>
+                    <a:bodyPr/>
+                    <a:lstStyle/>
+                    <a:p>
+                      <a:pPr algn="r" fontAlgn="b"/>
+                      <a:r>
+                        <a:rPr lang="pt-BR" sz="1100" u="none" strike="noStrike">
+                          <a:effectLst/>
+                        </a:rPr>
+                        <a:t>-0,00428701</a:t>
+                      </a:r>
+                      <a:endParaRPr lang="pt-BR" sz="1100" b="0" i="0" u="none" strike="noStrike">
+                        <a:solidFill>
+                          <a:srgbClr val="000000"/>
+                        </a:solidFill>
+                        <a:effectLst/>
+                        <a:latin typeface="Calibri" panose="020F0502020204030204" pitchFamily="34" charset="0"/>
+                      </a:endParaRPr>
+                    </a:p>
+                  </a:txBody>
+                  <a:tcPr marL="7620" marR="7620" marT="7620" marB="0" anchor="b"/>
+                </a:tc>
+                <a:extLst>
+                  <a:ext uri="{0D108BD9-81ED-4DB2-BD59-A6C34878D82A}">
+                    <a16:rowId xmlns:a16="http://schemas.microsoft.com/office/drawing/2014/main" val="2494213326"/>
+                  </a:ext>
+                </a:extLst>
+              </a:tr>
+              <a:tr h="182880">
+                <a:tc>
+                  <a:txBody>
+                    <a:bodyPr/>
+                    <a:lstStyle/>
+                    <a:p>
+                      <a:pPr algn="r" fontAlgn="b"/>
+                      <a:r>
+                        <a:rPr lang="pt-BR" sz="1100" u="none" strike="noStrike">
+                          <a:effectLst/>
+                        </a:rPr>
+                        <a:t>0,000539552</a:t>
+                      </a:r>
+                      <a:endParaRPr lang="pt-BR" sz="1100" b="0" i="0" u="none" strike="noStrike">
+                        <a:solidFill>
+                          <a:srgbClr val="000000"/>
+                        </a:solidFill>
+                        <a:effectLst/>
+                        <a:latin typeface="Calibri" panose="020F0502020204030204" pitchFamily="34" charset="0"/>
+                      </a:endParaRPr>
+                    </a:p>
+                  </a:txBody>
+                  <a:tcPr marL="7620" marR="7620" marT="7620" marB="0" anchor="b"/>
+                </a:tc>
+                <a:tc>
+                  <a:txBody>
+                    <a:bodyPr/>
+                    <a:lstStyle/>
+                    <a:p>
+                      <a:pPr algn="r" fontAlgn="b"/>
+                      <a:r>
+                        <a:rPr lang="pt-BR" sz="1100" u="none" strike="noStrike">
+                          <a:effectLst/>
+                        </a:rPr>
+                        <a:t>0,00053943</a:t>
+                      </a:r>
+                      <a:endParaRPr lang="pt-BR" sz="1100" b="0" i="0" u="none" strike="noStrike">
+                        <a:solidFill>
+                          <a:srgbClr val="000000"/>
+                        </a:solidFill>
+                        <a:effectLst/>
+                        <a:latin typeface="Calibri" panose="020F0502020204030204" pitchFamily="34" charset="0"/>
+                      </a:endParaRPr>
+                    </a:p>
+                  </a:txBody>
+                  <a:tcPr marL="7620" marR="7620" marT="7620" marB="0" anchor="b"/>
+                </a:tc>
+                <a:extLst>
+                  <a:ext uri="{0D108BD9-81ED-4DB2-BD59-A6C34878D82A}">
+                    <a16:rowId xmlns:a16="http://schemas.microsoft.com/office/drawing/2014/main" val="800509639"/>
+                  </a:ext>
+                </a:extLst>
+              </a:tr>
+              <a:tr h="182880">
+                <a:tc>
+                  <a:txBody>
+                    <a:bodyPr/>
+                    <a:lstStyle/>
+                    <a:p>
+                      <a:pPr algn="r" fontAlgn="b"/>
+                      <a:r>
+                        <a:rPr lang="pt-BR" sz="1100" u="none" strike="noStrike">
+                          <a:effectLst/>
+                        </a:rPr>
+                        <a:t>-0,00447976</a:t>
+                      </a:r>
+                      <a:endParaRPr lang="pt-BR" sz="1100" b="0" i="0" u="none" strike="noStrike">
+                        <a:solidFill>
+                          <a:srgbClr val="000000"/>
+                        </a:solidFill>
+                        <a:effectLst/>
+                        <a:latin typeface="Calibri" panose="020F0502020204030204" pitchFamily="34" charset="0"/>
+                      </a:endParaRPr>
+                    </a:p>
+                  </a:txBody>
+                  <a:tcPr marL="7620" marR="7620" marT="7620" marB="0" anchor="b"/>
+                </a:tc>
+                <a:tc>
+                  <a:txBody>
+                    <a:bodyPr/>
+                    <a:lstStyle/>
+                    <a:p>
+                      <a:pPr algn="r" fontAlgn="b"/>
+                      <a:r>
+                        <a:rPr lang="pt-BR" sz="1100" u="none" strike="noStrike">
+                          <a:effectLst/>
+                        </a:rPr>
+                        <a:t>-0,00447852</a:t>
+                      </a:r>
+                      <a:endParaRPr lang="pt-BR" sz="1100" b="0" i="0" u="none" strike="noStrike">
+                        <a:solidFill>
+                          <a:srgbClr val="000000"/>
+                        </a:solidFill>
+                        <a:effectLst/>
+                        <a:latin typeface="Calibri" panose="020F0502020204030204" pitchFamily="34" charset="0"/>
+                      </a:endParaRPr>
+                    </a:p>
+                  </a:txBody>
+                  <a:tcPr marL="7620" marR="7620" marT="7620" marB="0" anchor="b"/>
+                </a:tc>
+                <a:extLst>
+                  <a:ext uri="{0D108BD9-81ED-4DB2-BD59-A6C34878D82A}">
+                    <a16:rowId xmlns:a16="http://schemas.microsoft.com/office/drawing/2014/main" val="1447126506"/>
+                  </a:ext>
+                </a:extLst>
+              </a:tr>
+              <a:tr h="182880">
+                <a:tc>
+                  <a:txBody>
+                    <a:bodyPr/>
+                    <a:lstStyle/>
+                    <a:p>
+                      <a:pPr algn="r" fontAlgn="b"/>
+                      <a:r>
+                        <a:rPr lang="pt-BR" sz="1100" u="none" strike="noStrike">
+                          <a:effectLst/>
+                        </a:rPr>
+                        <a:t>-0,000313258</a:t>
+                      </a:r>
+                      <a:endParaRPr lang="pt-BR" sz="1100" b="0" i="0" u="none" strike="noStrike">
+                        <a:solidFill>
+                          <a:srgbClr val="000000"/>
+                        </a:solidFill>
+                        <a:effectLst/>
+                        <a:latin typeface="Calibri" panose="020F0502020204030204" pitchFamily="34" charset="0"/>
+                      </a:endParaRPr>
+                    </a:p>
+                  </a:txBody>
+                  <a:tcPr marL="7620" marR="7620" marT="7620" marB="0" anchor="b"/>
+                </a:tc>
+                <a:tc>
+                  <a:txBody>
+                    <a:bodyPr/>
+                    <a:lstStyle/>
+                    <a:p>
+                      <a:pPr algn="r" fontAlgn="b"/>
+                      <a:r>
+                        <a:rPr lang="pt-BR" sz="1100" u="none" strike="noStrike">
+                          <a:effectLst/>
+                        </a:rPr>
+                        <a:t>-0,00031315</a:t>
+                      </a:r>
+                      <a:endParaRPr lang="pt-BR" sz="1100" b="0" i="0" u="none" strike="noStrike">
+                        <a:solidFill>
+                          <a:srgbClr val="000000"/>
+                        </a:solidFill>
+                        <a:effectLst/>
+                        <a:latin typeface="Calibri" panose="020F0502020204030204" pitchFamily="34" charset="0"/>
+                      </a:endParaRPr>
+                    </a:p>
+                  </a:txBody>
+                  <a:tcPr marL="7620" marR="7620" marT="7620" marB="0" anchor="b"/>
+                </a:tc>
+                <a:extLst>
+                  <a:ext uri="{0D108BD9-81ED-4DB2-BD59-A6C34878D82A}">
+                    <a16:rowId xmlns:a16="http://schemas.microsoft.com/office/drawing/2014/main" val="1274200072"/>
+                  </a:ext>
+                </a:extLst>
+              </a:tr>
+              <a:tr h="182880">
+                <a:tc>
+                  <a:txBody>
+                    <a:bodyPr/>
+                    <a:lstStyle/>
+                    <a:p>
+                      <a:pPr algn="r" fontAlgn="b"/>
+                      <a:r>
+                        <a:rPr lang="pt-BR" sz="1100" u="none" strike="noStrike">
+                          <a:effectLst/>
+                        </a:rPr>
+                        <a:t>-0,004103155</a:t>
+                      </a:r>
+                      <a:endParaRPr lang="pt-BR" sz="1100" b="0" i="0" u="none" strike="noStrike">
+                        <a:solidFill>
+                          <a:srgbClr val="000000"/>
+                        </a:solidFill>
+                        <a:effectLst/>
+                        <a:latin typeface="Calibri" panose="020F0502020204030204" pitchFamily="34" charset="0"/>
+                      </a:endParaRPr>
+                    </a:p>
+                  </a:txBody>
+                  <a:tcPr marL="7620" marR="7620" marT="7620" marB="0" anchor="b"/>
+                </a:tc>
+                <a:tc>
+                  <a:txBody>
+                    <a:bodyPr/>
+                    <a:lstStyle/>
+                    <a:p>
+                      <a:pPr algn="r" fontAlgn="b"/>
+                      <a:r>
+                        <a:rPr lang="pt-BR" sz="1100" u="none" strike="noStrike">
+                          <a:effectLst/>
+                        </a:rPr>
+                        <a:t>-0,00410209</a:t>
+                      </a:r>
+                      <a:endParaRPr lang="pt-BR" sz="1100" b="0" i="0" u="none" strike="noStrike">
+                        <a:solidFill>
+                          <a:srgbClr val="000000"/>
+                        </a:solidFill>
+                        <a:effectLst/>
+                        <a:latin typeface="Calibri" panose="020F0502020204030204" pitchFamily="34" charset="0"/>
+                      </a:endParaRPr>
+                    </a:p>
+                  </a:txBody>
+                  <a:tcPr marL="7620" marR="7620" marT="7620" marB="0" anchor="b"/>
+                </a:tc>
+                <a:extLst>
+                  <a:ext uri="{0D108BD9-81ED-4DB2-BD59-A6C34878D82A}">
+                    <a16:rowId xmlns:a16="http://schemas.microsoft.com/office/drawing/2014/main" val="4031109834"/>
+                  </a:ext>
+                </a:extLst>
+              </a:tr>
+              <a:tr h="182880">
+                <a:tc>
+                  <a:txBody>
+                    <a:bodyPr/>
+                    <a:lstStyle/>
+                    <a:p>
+                      <a:pPr algn="r" fontAlgn="b"/>
+                      <a:r>
+                        <a:rPr lang="pt-BR" sz="1100" u="none" strike="noStrike">
+                          <a:effectLst/>
+                        </a:rPr>
+                        <a:t>0,001124801</a:t>
+                      </a:r>
+                      <a:endParaRPr lang="pt-BR" sz="1100" b="0" i="0" u="none" strike="noStrike">
+                        <a:solidFill>
+                          <a:srgbClr val="000000"/>
+                        </a:solidFill>
+                        <a:effectLst/>
+                        <a:latin typeface="Calibri" panose="020F0502020204030204" pitchFamily="34" charset="0"/>
+                      </a:endParaRPr>
+                    </a:p>
+                  </a:txBody>
+                  <a:tcPr marL="7620" marR="7620" marT="7620" marB="0" anchor="b"/>
+                </a:tc>
+                <a:tc>
+                  <a:txBody>
+                    <a:bodyPr/>
+                    <a:lstStyle/>
+                    <a:p>
+                      <a:pPr algn="r" fontAlgn="b"/>
+                      <a:r>
+                        <a:rPr lang="pt-BR" sz="1100" u="none" strike="noStrike">
+                          <a:effectLst/>
+                        </a:rPr>
+                        <a:t>0,00112457</a:t>
+                      </a:r>
+                      <a:endParaRPr lang="pt-BR" sz="1100" b="0" i="0" u="none" strike="noStrike">
+                        <a:solidFill>
+                          <a:srgbClr val="000000"/>
+                        </a:solidFill>
+                        <a:effectLst/>
+                        <a:latin typeface="Calibri" panose="020F0502020204030204" pitchFamily="34" charset="0"/>
+                      </a:endParaRPr>
+                    </a:p>
+                  </a:txBody>
+                  <a:tcPr marL="7620" marR="7620" marT="7620" marB="0" anchor="b"/>
+                </a:tc>
+                <a:extLst>
+                  <a:ext uri="{0D108BD9-81ED-4DB2-BD59-A6C34878D82A}">
+                    <a16:rowId xmlns:a16="http://schemas.microsoft.com/office/drawing/2014/main" val="2893983649"/>
+                  </a:ext>
+                </a:extLst>
+              </a:tr>
+              <a:tr h="182880">
+                <a:tc>
+                  <a:txBody>
+                    <a:bodyPr/>
+                    <a:lstStyle/>
+                    <a:p>
+                      <a:pPr algn="r" fontAlgn="b"/>
+                      <a:r>
+                        <a:rPr lang="pt-BR" sz="1100" u="none" strike="noStrike">
+                          <a:effectLst/>
+                        </a:rPr>
+                        <a:t>0</a:t>
+                      </a:r>
+                      <a:endParaRPr lang="pt-BR" sz="1100" b="0" i="0" u="none" strike="noStrike">
+                        <a:solidFill>
+                          <a:srgbClr val="000000"/>
+                        </a:solidFill>
+                        <a:effectLst/>
+                        <a:latin typeface="Calibri" panose="020F0502020204030204" pitchFamily="34" charset="0"/>
+                      </a:endParaRPr>
+                    </a:p>
+                  </a:txBody>
+                  <a:tcPr marL="7620" marR="7620" marT="7620" marB="0" anchor="b"/>
+                </a:tc>
+                <a:tc>
+                  <a:txBody>
+                    <a:bodyPr/>
+                    <a:lstStyle/>
+                    <a:p>
+                      <a:pPr algn="r" fontAlgn="b"/>
+                      <a:r>
+                        <a:rPr lang="pt-BR" sz="1100" u="none" strike="noStrike" dirty="0">
+                          <a:effectLst/>
+                        </a:rPr>
+                        <a:t>0</a:t>
+                      </a:r>
+                      <a:endParaRPr lang="pt-BR" sz="1100" b="0" i="0" u="none" strike="noStrike" dirty="0">
+                        <a:solidFill>
+                          <a:srgbClr val="000000"/>
+                        </a:solidFill>
+                        <a:effectLst/>
+                        <a:latin typeface="Calibri" panose="020F0502020204030204" pitchFamily="34" charset="0"/>
+                      </a:endParaRPr>
+                    </a:p>
+                  </a:txBody>
+                  <a:tcPr marL="7620" marR="7620" marT="7620" marB="0" anchor="b"/>
+                </a:tc>
+                <a:extLst>
+                  <a:ext uri="{0D108BD9-81ED-4DB2-BD59-A6C34878D82A}">
+                    <a16:rowId xmlns:a16="http://schemas.microsoft.com/office/drawing/2014/main" val="2803940608"/>
+                  </a:ext>
+                </a:extLst>
+              </a:tr>
+            </a:tbl>
+          </a:graphicData>
+        </a:graphic>
+      </p:graphicFrame>
+      <p:graphicFrame>
+        <p:nvGraphicFramePr>
+          <p:cNvPr id="5" name="Tabela 4">
+            <a:extLst>
+              <a:ext uri="{FF2B5EF4-FFF2-40B4-BE49-F238E27FC236}">
+                <a16:creationId xmlns:a16="http://schemas.microsoft.com/office/drawing/2014/main" id="{6382190B-3F04-9F57-BB33-44AF414DD65C}"/>
+              </a:ext>
+            </a:extLst>
+          </p:cNvPr>
+          <p:cNvGraphicFramePr>
+            <a:graphicFrameLocks noGrp="1"/>
+          </p:cNvGraphicFramePr>
+          <p:nvPr>
+            <p:extLst>
+              <p:ext uri="{D42A27DB-BD31-4B8C-83A1-F6EECF244321}">
+                <p14:modId xmlns:p14="http://schemas.microsoft.com/office/powerpoint/2010/main" val="4275704048"/>
+              </p:ext>
+            </p:extLst>
+          </p:nvPr>
+        </p:nvGraphicFramePr>
+        <p:xfrm>
+          <a:off x="7814141" y="34053463"/>
+          <a:ext cx="1930400" cy="2377440"/>
+        </p:xfrm>
+        <a:graphic>
+          <a:graphicData uri="http://schemas.openxmlformats.org/drawingml/2006/table">
+            <a:tbl>
+              <a:tblPr>
+                <a:tableStyleId>{5C22544A-7EE6-4342-B048-85BDC9FD1C3A}</a:tableStyleId>
+              </a:tblPr>
+              <a:tblGrid>
+                <a:gridCol w="865352">
+                  <a:extLst>
+                    <a:ext uri="{9D8B030D-6E8A-4147-A177-3AD203B41FA5}">
+                      <a16:colId xmlns:a16="http://schemas.microsoft.com/office/drawing/2014/main" val="2171335955"/>
+                    </a:ext>
+                  </a:extLst>
+                </a:gridCol>
+                <a:gridCol w="1065048">
+                  <a:extLst>
+                    <a:ext uri="{9D8B030D-6E8A-4147-A177-3AD203B41FA5}">
+                      <a16:colId xmlns:a16="http://schemas.microsoft.com/office/drawing/2014/main" val="2345402114"/>
+                    </a:ext>
+                  </a:extLst>
+                </a:gridCol>
+              </a:tblGrid>
+              <a:tr h="182880">
+                <a:tc gridSpan="2">
+                  <a:txBody>
+                    <a:bodyPr/>
+                    <a:lstStyle/>
+                    <a:p>
+                      <a:pPr algn="ctr" fontAlgn="b"/>
+                      <a:r>
+                        <a:rPr lang="pt-BR" sz="1100" u="none" strike="noStrike">
+                          <a:effectLst/>
+                        </a:rPr>
+                        <a:t>Forças internas (N)</a:t>
+                      </a:r>
+                      <a:endParaRPr lang="pt-BR" sz="1100" b="1" i="0" u="none" strike="noStrike">
+                        <a:solidFill>
+                          <a:srgbClr val="000000"/>
+                        </a:solidFill>
+                        <a:effectLst/>
+                        <a:latin typeface="Calibri" panose="020F0502020204030204" pitchFamily="34" charset="0"/>
+                      </a:endParaRPr>
+                    </a:p>
+                  </a:txBody>
+                  <a:tcPr marL="7620" marR="7620" marT="7620" marB="0" anchor="b"/>
+                </a:tc>
+                <a:tc hMerge="1">
+                  <a:txBody>
+                    <a:bodyPr/>
+                    <a:lstStyle/>
+                    <a:p>
+                      <a:endParaRPr lang="pt-BR"/>
+                    </a:p>
+                  </a:txBody>
+                  <a:tcPr/>
+                </a:tc>
+                <a:extLst>
+                  <a:ext uri="{0D108BD9-81ED-4DB2-BD59-A6C34878D82A}">
+                    <a16:rowId xmlns:a16="http://schemas.microsoft.com/office/drawing/2014/main" val="1193879778"/>
+                  </a:ext>
+                </a:extLst>
+              </a:tr>
+              <a:tr h="182880">
+                <a:tc>
+                  <a:txBody>
+                    <a:bodyPr/>
+                    <a:lstStyle/>
+                    <a:p>
+                      <a:pPr algn="l" fontAlgn="b"/>
+                      <a:r>
+                        <a:rPr lang="pt-BR" sz="1100" u="none" strike="noStrike">
+                          <a:effectLst/>
+                        </a:rPr>
+                        <a:t>Dados do Lisa</a:t>
+                      </a:r>
+                      <a:endParaRPr lang="pt-BR" sz="1100" b="1" i="0" u="none" strike="noStrike">
+                        <a:solidFill>
+                          <a:srgbClr val="000000"/>
+                        </a:solidFill>
+                        <a:effectLst/>
+                        <a:latin typeface="Calibri" panose="020F0502020204030204" pitchFamily="34" charset="0"/>
+                      </a:endParaRPr>
+                    </a:p>
+                  </a:txBody>
+                  <a:tcPr marL="7620" marR="7620" marT="7620" marB="0" anchor="b"/>
+                </a:tc>
+                <a:tc>
+                  <a:txBody>
+                    <a:bodyPr/>
+                    <a:lstStyle/>
+                    <a:p>
+                      <a:pPr algn="l" fontAlgn="b"/>
+                      <a:r>
+                        <a:rPr lang="pt-BR" sz="1100" u="none" strike="noStrike">
+                          <a:effectLst/>
+                        </a:rPr>
+                        <a:t>Dados do Python</a:t>
+                      </a:r>
+                      <a:endParaRPr lang="pt-BR" sz="1100" b="1" i="0" u="none" strike="noStrike">
+                        <a:solidFill>
+                          <a:srgbClr val="000000"/>
+                        </a:solidFill>
+                        <a:effectLst/>
+                        <a:latin typeface="Calibri" panose="020F0502020204030204" pitchFamily="34" charset="0"/>
+                      </a:endParaRPr>
+                    </a:p>
+                  </a:txBody>
+                  <a:tcPr marL="7620" marR="7620" marT="7620" marB="0" anchor="b"/>
+                </a:tc>
+                <a:extLst>
+                  <a:ext uri="{0D108BD9-81ED-4DB2-BD59-A6C34878D82A}">
+                    <a16:rowId xmlns:a16="http://schemas.microsoft.com/office/drawing/2014/main" val="1481071487"/>
+                  </a:ext>
+                </a:extLst>
+              </a:tr>
+              <a:tr h="182880">
+                <a:tc>
+                  <a:txBody>
+                    <a:bodyPr/>
+                    <a:lstStyle/>
+                    <a:p>
+                      <a:pPr algn="r" fontAlgn="b"/>
+                      <a:r>
+                        <a:rPr lang="pt-BR" sz="1100" u="none" strike="noStrike">
+                          <a:effectLst/>
+                        </a:rPr>
+                        <a:t>-6481,49</a:t>
+                      </a:r>
+                      <a:endParaRPr lang="pt-BR" sz="1100" b="0" i="0" u="none" strike="noStrike">
+                        <a:solidFill>
+                          <a:srgbClr val="000000"/>
+                        </a:solidFill>
+                        <a:effectLst/>
+                        <a:latin typeface="Calibri" panose="020F0502020204030204" pitchFamily="34" charset="0"/>
+                      </a:endParaRPr>
+                    </a:p>
+                  </a:txBody>
+                  <a:tcPr marL="7620" marR="7620" marT="7620" marB="0" anchor="b"/>
+                </a:tc>
+                <a:tc>
+                  <a:txBody>
+                    <a:bodyPr/>
+                    <a:lstStyle/>
+                    <a:p>
+                      <a:pPr algn="r" fontAlgn="b"/>
+                      <a:r>
+                        <a:rPr lang="pt-BR" sz="1100" u="none" strike="noStrike">
+                          <a:effectLst/>
+                        </a:rPr>
+                        <a:t>-6484,597135</a:t>
+                      </a:r>
+                      <a:endParaRPr lang="pt-BR" sz="1100" b="0" i="0" u="none" strike="noStrike">
+                        <a:solidFill>
+                          <a:srgbClr val="000000"/>
+                        </a:solidFill>
+                        <a:effectLst/>
+                        <a:latin typeface="Calibri" panose="020F0502020204030204" pitchFamily="34" charset="0"/>
+                      </a:endParaRPr>
+                    </a:p>
+                  </a:txBody>
+                  <a:tcPr marL="7620" marR="7620" marT="7620" marB="0" anchor="b"/>
+                </a:tc>
+                <a:extLst>
+                  <a:ext uri="{0D108BD9-81ED-4DB2-BD59-A6C34878D82A}">
+                    <a16:rowId xmlns:a16="http://schemas.microsoft.com/office/drawing/2014/main" val="2727266718"/>
+                  </a:ext>
+                </a:extLst>
+              </a:tr>
+              <a:tr h="182880">
+                <a:tc>
+                  <a:txBody>
+                    <a:bodyPr/>
+                    <a:lstStyle/>
+                    <a:p>
+                      <a:pPr algn="r" fontAlgn="b"/>
+                      <a:r>
+                        <a:rPr lang="pt-BR" sz="1100" u="none" strike="noStrike">
+                          <a:effectLst/>
+                        </a:rPr>
+                        <a:t>-763,94</a:t>
+                      </a:r>
+                      <a:endParaRPr lang="pt-BR" sz="1100" b="0" i="0" u="none" strike="noStrike">
+                        <a:solidFill>
+                          <a:srgbClr val="000000"/>
+                        </a:solidFill>
+                        <a:effectLst/>
+                        <a:latin typeface="Calibri" panose="020F0502020204030204" pitchFamily="34" charset="0"/>
+                      </a:endParaRPr>
+                    </a:p>
+                  </a:txBody>
+                  <a:tcPr marL="7620" marR="7620" marT="7620" marB="0" anchor="b"/>
+                </a:tc>
+                <a:tc>
+                  <a:txBody>
+                    <a:bodyPr/>
+                    <a:lstStyle/>
+                    <a:p>
+                      <a:pPr algn="r" fontAlgn="b"/>
+                      <a:r>
+                        <a:rPr lang="pt-BR" sz="1100" u="none" strike="noStrike">
+                          <a:effectLst/>
+                        </a:rPr>
+                        <a:t>-766,179646</a:t>
+                      </a:r>
+                      <a:endParaRPr lang="pt-BR" sz="1100" b="0" i="0" u="none" strike="noStrike">
+                        <a:solidFill>
+                          <a:srgbClr val="000000"/>
+                        </a:solidFill>
+                        <a:effectLst/>
+                        <a:latin typeface="Calibri" panose="020F0502020204030204" pitchFamily="34" charset="0"/>
+                      </a:endParaRPr>
+                    </a:p>
+                  </a:txBody>
+                  <a:tcPr marL="7620" marR="7620" marT="7620" marB="0" anchor="b"/>
+                </a:tc>
+                <a:extLst>
+                  <a:ext uri="{0D108BD9-81ED-4DB2-BD59-A6C34878D82A}">
+                    <a16:rowId xmlns:a16="http://schemas.microsoft.com/office/drawing/2014/main" val="1634749994"/>
+                  </a:ext>
+                </a:extLst>
+              </a:tr>
+              <a:tr h="182880">
+                <a:tc>
+                  <a:txBody>
+                    <a:bodyPr/>
+                    <a:lstStyle/>
+                    <a:p>
+                      <a:pPr algn="r" fontAlgn="b"/>
+                      <a:r>
+                        <a:rPr lang="pt-BR" sz="1100" u="none" strike="noStrike">
+                          <a:effectLst/>
+                        </a:rPr>
+                        <a:t>1896,78</a:t>
+                      </a:r>
+                      <a:endParaRPr lang="pt-BR" sz="1100" b="0" i="0" u="none" strike="noStrike">
+                        <a:solidFill>
+                          <a:srgbClr val="000000"/>
+                        </a:solidFill>
+                        <a:effectLst/>
+                        <a:latin typeface="Calibri" panose="020F0502020204030204" pitchFamily="34" charset="0"/>
+                      </a:endParaRPr>
+                    </a:p>
+                  </a:txBody>
+                  <a:tcPr marL="7620" marR="7620" marT="7620" marB="0" anchor="b"/>
+                </a:tc>
+                <a:tc>
+                  <a:txBody>
+                    <a:bodyPr/>
+                    <a:lstStyle/>
+                    <a:p>
+                      <a:pPr algn="r" fontAlgn="b"/>
+                      <a:r>
+                        <a:rPr lang="pt-BR" sz="1100" u="none" strike="noStrike">
+                          <a:effectLst/>
+                        </a:rPr>
+                        <a:t>1900</a:t>
+                      </a:r>
+                      <a:endParaRPr lang="pt-BR" sz="1100" b="0" i="0" u="none" strike="noStrike">
+                        <a:solidFill>
+                          <a:srgbClr val="000000"/>
+                        </a:solidFill>
+                        <a:effectLst/>
+                        <a:latin typeface="Calibri" panose="020F0502020204030204" pitchFamily="34" charset="0"/>
+                      </a:endParaRPr>
+                    </a:p>
+                  </a:txBody>
+                  <a:tcPr marL="7620" marR="7620" marT="7620" marB="0" anchor="b"/>
+                </a:tc>
+                <a:extLst>
+                  <a:ext uri="{0D108BD9-81ED-4DB2-BD59-A6C34878D82A}">
+                    <a16:rowId xmlns:a16="http://schemas.microsoft.com/office/drawing/2014/main" val="743598360"/>
+                  </a:ext>
+                </a:extLst>
+              </a:tr>
+              <a:tr h="182880">
+                <a:tc>
+                  <a:txBody>
+                    <a:bodyPr/>
+                    <a:lstStyle/>
+                    <a:p>
+                      <a:pPr algn="r" fontAlgn="b"/>
+                      <a:r>
+                        <a:rPr lang="pt-BR" sz="1100" u="none" strike="noStrike">
+                          <a:effectLst/>
+                        </a:rPr>
+                        <a:t>-4553,27</a:t>
+                      </a:r>
+                      <a:endParaRPr lang="pt-BR" sz="1100" b="0" i="0" u="none" strike="noStrike">
+                        <a:solidFill>
+                          <a:srgbClr val="000000"/>
+                        </a:solidFill>
+                        <a:effectLst/>
+                        <a:latin typeface="Calibri" panose="020F0502020204030204" pitchFamily="34" charset="0"/>
+                      </a:endParaRPr>
+                    </a:p>
+                  </a:txBody>
+                  <a:tcPr marL="7620" marR="7620" marT="7620" marB="0" anchor="b"/>
+                </a:tc>
+                <a:tc>
+                  <a:txBody>
+                    <a:bodyPr/>
+                    <a:lstStyle/>
+                    <a:p>
+                      <a:pPr algn="r" fontAlgn="b"/>
+                      <a:r>
+                        <a:rPr lang="pt-BR" sz="1100" u="none" strike="noStrike">
+                          <a:effectLst/>
+                        </a:rPr>
+                        <a:t>-455.598.850.416</a:t>
+                      </a:r>
+                      <a:endParaRPr lang="pt-BR" sz="1100" b="0" i="0" u="none" strike="noStrike">
+                        <a:solidFill>
+                          <a:srgbClr val="000000"/>
+                        </a:solidFill>
+                        <a:effectLst/>
+                        <a:latin typeface="Calibri" panose="020F0502020204030204" pitchFamily="34" charset="0"/>
+                      </a:endParaRPr>
+                    </a:p>
+                  </a:txBody>
+                  <a:tcPr marL="7620" marR="7620" marT="7620" marB="0" anchor="b"/>
+                </a:tc>
+                <a:extLst>
+                  <a:ext uri="{0D108BD9-81ED-4DB2-BD59-A6C34878D82A}">
+                    <a16:rowId xmlns:a16="http://schemas.microsoft.com/office/drawing/2014/main" val="94859733"/>
+                  </a:ext>
+                </a:extLst>
+              </a:tr>
+              <a:tr h="182880">
+                <a:tc>
+                  <a:txBody>
+                    <a:bodyPr/>
+                    <a:lstStyle/>
+                    <a:p>
+                      <a:pPr algn="r" fontAlgn="b"/>
+                      <a:r>
+                        <a:rPr lang="pt-BR" sz="1100" u="none" strike="noStrike">
+                          <a:effectLst/>
+                        </a:rPr>
+                        <a:t>762,97</a:t>
+                      </a:r>
+                      <a:endParaRPr lang="pt-BR" sz="1100" b="0" i="0" u="none" strike="noStrike">
+                        <a:solidFill>
+                          <a:srgbClr val="000000"/>
+                        </a:solidFill>
+                        <a:effectLst/>
+                        <a:latin typeface="Calibri" panose="020F0502020204030204" pitchFamily="34" charset="0"/>
+                      </a:endParaRPr>
+                    </a:p>
+                  </a:txBody>
+                  <a:tcPr marL="7620" marR="7620" marT="7620" marB="0" anchor="b"/>
+                </a:tc>
+                <a:tc>
+                  <a:txBody>
+                    <a:bodyPr/>
+                    <a:lstStyle/>
+                    <a:p>
+                      <a:pPr algn="r" fontAlgn="b"/>
+                      <a:r>
+                        <a:rPr lang="pt-BR" sz="1100" u="none" strike="noStrike">
+                          <a:effectLst/>
+                        </a:rPr>
+                        <a:t>76.617.964.604</a:t>
+                      </a:r>
+                      <a:endParaRPr lang="pt-BR" sz="1100" b="0" i="0" u="none" strike="noStrike">
+                        <a:solidFill>
+                          <a:srgbClr val="000000"/>
+                        </a:solidFill>
+                        <a:effectLst/>
+                        <a:latin typeface="Calibri" panose="020F0502020204030204" pitchFamily="34" charset="0"/>
+                      </a:endParaRPr>
+                    </a:p>
+                  </a:txBody>
+                  <a:tcPr marL="7620" marR="7620" marT="7620" marB="0" anchor="b"/>
+                </a:tc>
+                <a:extLst>
+                  <a:ext uri="{0D108BD9-81ED-4DB2-BD59-A6C34878D82A}">
+                    <a16:rowId xmlns:a16="http://schemas.microsoft.com/office/drawing/2014/main" val="2688045375"/>
+                  </a:ext>
+                </a:extLst>
+              </a:tr>
+              <a:tr h="182880">
+                <a:tc>
+                  <a:txBody>
+                    <a:bodyPr/>
+                    <a:lstStyle/>
+                    <a:p>
+                      <a:pPr algn="r" fontAlgn="b"/>
+                      <a:r>
+                        <a:rPr lang="pt-BR" sz="1100" u="none" strike="noStrike">
+                          <a:effectLst/>
+                        </a:rPr>
+                        <a:t>1050,57</a:t>
+                      </a:r>
+                      <a:endParaRPr lang="pt-BR" sz="1100" b="0" i="0" u="none" strike="noStrike">
+                        <a:solidFill>
+                          <a:srgbClr val="000000"/>
+                        </a:solidFill>
+                        <a:effectLst/>
+                        <a:latin typeface="Calibri" panose="020F0502020204030204" pitchFamily="34" charset="0"/>
+                      </a:endParaRPr>
+                    </a:p>
+                  </a:txBody>
+                  <a:tcPr marL="7620" marR="7620" marT="7620" marB="0" anchor="b"/>
+                </a:tc>
+                <a:tc>
+                  <a:txBody>
+                    <a:bodyPr/>
+                    <a:lstStyle/>
+                    <a:p>
+                      <a:pPr algn="r" fontAlgn="b"/>
+                      <a:r>
+                        <a:rPr lang="pt-BR" sz="1100" u="none" strike="noStrike">
+                          <a:effectLst/>
+                        </a:rPr>
+                        <a:t>1050</a:t>
+                      </a:r>
+                      <a:endParaRPr lang="pt-BR" sz="1100" b="0" i="0" u="none" strike="noStrike">
+                        <a:solidFill>
+                          <a:srgbClr val="000000"/>
+                        </a:solidFill>
+                        <a:effectLst/>
+                        <a:latin typeface="Calibri" panose="020F0502020204030204" pitchFamily="34" charset="0"/>
+                      </a:endParaRPr>
+                    </a:p>
+                  </a:txBody>
+                  <a:tcPr marL="7620" marR="7620" marT="7620" marB="0" anchor="b"/>
+                </a:tc>
+                <a:extLst>
+                  <a:ext uri="{0D108BD9-81ED-4DB2-BD59-A6C34878D82A}">
+                    <a16:rowId xmlns:a16="http://schemas.microsoft.com/office/drawing/2014/main" val="1121014412"/>
+                  </a:ext>
+                </a:extLst>
+              </a:tr>
+              <a:tr h="182880">
+                <a:tc>
+                  <a:txBody>
+                    <a:bodyPr/>
+                    <a:lstStyle/>
+                    <a:p>
+                      <a:pPr algn="r" fontAlgn="b"/>
+                      <a:r>
+                        <a:rPr lang="pt-BR" sz="1100" u="none" strike="noStrike">
+                          <a:effectLst/>
+                        </a:rPr>
+                        <a:t>1934,30</a:t>
+                      </a:r>
+                      <a:endParaRPr lang="pt-BR" sz="1100" b="0" i="0" u="none" strike="noStrike">
+                        <a:solidFill>
+                          <a:srgbClr val="000000"/>
+                        </a:solidFill>
+                        <a:effectLst/>
+                        <a:latin typeface="Calibri" panose="020F0502020204030204" pitchFamily="34" charset="0"/>
+                      </a:endParaRPr>
+                    </a:p>
+                  </a:txBody>
+                  <a:tcPr marL="7620" marR="7620" marT="7620" marB="0" anchor="b"/>
+                </a:tc>
+                <a:tc>
+                  <a:txBody>
+                    <a:bodyPr/>
+                    <a:lstStyle/>
+                    <a:p>
+                      <a:pPr algn="r" fontAlgn="b"/>
+                      <a:r>
+                        <a:rPr lang="pt-BR" sz="1100" u="none" strike="noStrike">
+                          <a:effectLst/>
+                        </a:rPr>
+                        <a:t>1937,983811</a:t>
+                      </a:r>
+                      <a:endParaRPr lang="pt-BR" sz="1100" b="0" i="0" u="none" strike="noStrike">
+                        <a:solidFill>
+                          <a:srgbClr val="000000"/>
+                        </a:solidFill>
+                        <a:effectLst/>
+                        <a:latin typeface="Calibri" panose="020F0502020204030204" pitchFamily="34" charset="0"/>
+                      </a:endParaRPr>
+                    </a:p>
+                  </a:txBody>
+                  <a:tcPr marL="7620" marR="7620" marT="7620" marB="0" anchor="b"/>
+                </a:tc>
+                <a:extLst>
+                  <a:ext uri="{0D108BD9-81ED-4DB2-BD59-A6C34878D82A}">
+                    <a16:rowId xmlns:a16="http://schemas.microsoft.com/office/drawing/2014/main" val="4148634776"/>
+                  </a:ext>
+                </a:extLst>
+              </a:tr>
+              <a:tr h="182880">
+                <a:tc>
+                  <a:txBody>
+                    <a:bodyPr/>
+                    <a:lstStyle/>
+                    <a:p>
+                      <a:pPr algn="r" fontAlgn="b"/>
+                      <a:r>
+                        <a:rPr lang="pt-BR" sz="1100" u="none" strike="noStrike">
+                          <a:effectLst/>
+                        </a:rPr>
+                        <a:t>-3826,28</a:t>
+                      </a:r>
+                      <a:endParaRPr lang="pt-BR" sz="1100" b="0" i="0" u="none" strike="noStrike">
+                        <a:solidFill>
+                          <a:srgbClr val="000000"/>
+                        </a:solidFill>
+                        <a:effectLst/>
+                        <a:latin typeface="Calibri" panose="020F0502020204030204" pitchFamily="34" charset="0"/>
+                      </a:endParaRPr>
+                    </a:p>
+                  </a:txBody>
+                  <a:tcPr marL="7620" marR="7620" marT="7620" marB="0" anchor="b"/>
+                </a:tc>
+                <a:tc>
+                  <a:txBody>
+                    <a:bodyPr/>
+                    <a:lstStyle/>
+                    <a:p>
+                      <a:pPr algn="r" fontAlgn="b"/>
+                      <a:r>
+                        <a:rPr lang="pt-BR" sz="1100" u="none" strike="noStrike">
+                          <a:effectLst/>
+                        </a:rPr>
+                        <a:t>-3829,266411</a:t>
+                      </a:r>
+                      <a:endParaRPr lang="pt-BR" sz="1100" b="0" i="0" u="none" strike="noStrike">
+                        <a:solidFill>
+                          <a:srgbClr val="000000"/>
+                        </a:solidFill>
+                        <a:effectLst/>
+                        <a:latin typeface="Calibri" panose="020F0502020204030204" pitchFamily="34" charset="0"/>
+                      </a:endParaRPr>
+                    </a:p>
+                  </a:txBody>
+                  <a:tcPr marL="7620" marR="7620" marT="7620" marB="0" anchor="b"/>
+                </a:tc>
+                <a:extLst>
+                  <a:ext uri="{0D108BD9-81ED-4DB2-BD59-A6C34878D82A}">
+                    <a16:rowId xmlns:a16="http://schemas.microsoft.com/office/drawing/2014/main" val="247503796"/>
+                  </a:ext>
+                </a:extLst>
+              </a:tr>
+              <a:tr h="182880">
+                <a:tc>
+                  <a:txBody>
+                    <a:bodyPr/>
+                    <a:lstStyle/>
+                    <a:p>
+                      <a:pPr algn="r" fontAlgn="b"/>
+                      <a:r>
+                        <a:rPr lang="pt-BR" sz="1100" u="none" strike="noStrike">
+                          <a:effectLst/>
+                        </a:rPr>
+                        <a:t>-1935,63</a:t>
+                      </a:r>
+                      <a:endParaRPr lang="pt-BR" sz="1100" b="0" i="0" u="none" strike="noStrike">
+                        <a:solidFill>
+                          <a:srgbClr val="000000"/>
+                        </a:solidFill>
+                        <a:effectLst/>
+                        <a:latin typeface="Calibri" panose="020F0502020204030204" pitchFamily="34" charset="0"/>
+                      </a:endParaRPr>
+                    </a:p>
+                  </a:txBody>
+                  <a:tcPr marL="7620" marR="7620" marT="7620" marB="0" anchor="b"/>
+                </a:tc>
+                <a:tc>
+                  <a:txBody>
+                    <a:bodyPr/>
+                    <a:lstStyle/>
+                    <a:p>
+                      <a:pPr algn="r" fontAlgn="b"/>
+                      <a:r>
+                        <a:rPr lang="pt-BR" sz="1100" u="none" strike="noStrike">
+                          <a:effectLst/>
+                        </a:rPr>
+                        <a:t>-1937,983811</a:t>
+                      </a:r>
+                      <a:endParaRPr lang="pt-BR" sz="1100" b="0" i="0" u="none" strike="noStrike">
+                        <a:solidFill>
+                          <a:srgbClr val="000000"/>
+                        </a:solidFill>
+                        <a:effectLst/>
+                        <a:latin typeface="Calibri" panose="020F0502020204030204" pitchFamily="34" charset="0"/>
+                      </a:endParaRPr>
+                    </a:p>
+                  </a:txBody>
+                  <a:tcPr marL="7620" marR="7620" marT="7620" marB="0" anchor="b"/>
+                </a:tc>
+                <a:extLst>
+                  <a:ext uri="{0D108BD9-81ED-4DB2-BD59-A6C34878D82A}">
+                    <a16:rowId xmlns:a16="http://schemas.microsoft.com/office/drawing/2014/main" val="362077734"/>
+                  </a:ext>
+                </a:extLst>
+              </a:tr>
+              <a:tr h="182880">
+                <a:tc>
+                  <a:txBody>
+                    <a:bodyPr/>
+                    <a:lstStyle/>
+                    <a:p>
+                      <a:pPr algn="r" fontAlgn="b"/>
+                      <a:r>
+                        <a:rPr lang="pt-BR" sz="1100" u="none" strike="noStrike">
+                          <a:effectLst/>
+                        </a:rPr>
+                        <a:t>3196,99</a:t>
+                      </a:r>
+                      <a:endParaRPr lang="pt-BR" sz="1100" b="0" i="0" u="none" strike="noStrike">
+                        <a:solidFill>
+                          <a:srgbClr val="000000"/>
+                        </a:solidFill>
+                        <a:effectLst/>
+                        <a:latin typeface="Calibri" panose="020F0502020204030204" pitchFamily="34" charset="0"/>
+                      </a:endParaRPr>
+                    </a:p>
+                  </a:txBody>
+                  <a:tcPr marL="7620" marR="7620" marT="7620" marB="0" anchor="b"/>
+                </a:tc>
+                <a:tc>
+                  <a:txBody>
+                    <a:bodyPr/>
+                    <a:lstStyle/>
+                    <a:p>
+                      <a:pPr algn="r" fontAlgn="b"/>
+                      <a:r>
+                        <a:rPr lang="pt-BR" sz="1100" u="none" strike="noStrike">
+                          <a:effectLst/>
+                        </a:rPr>
+                        <a:t>3200</a:t>
+                      </a:r>
+                      <a:endParaRPr lang="pt-BR" sz="1100" b="0" i="0" u="none" strike="noStrike">
+                        <a:solidFill>
+                          <a:srgbClr val="000000"/>
+                        </a:solidFill>
+                        <a:effectLst/>
+                        <a:latin typeface="Calibri" panose="020F0502020204030204" pitchFamily="34" charset="0"/>
+                      </a:endParaRPr>
+                    </a:p>
+                  </a:txBody>
+                  <a:tcPr marL="7620" marR="7620" marT="7620" marB="0" anchor="b"/>
+                </a:tc>
+                <a:extLst>
+                  <a:ext uri="{0D108BD9-81ED-4DB2-BD59-A6C34878D82A}">
+                    <a16:rowId xmlns:a16="http://schemas.microsoft.com/office/drawing/2014/main" val="3253522640"/>
+                  </a:ext>
+                </a:extLst>
+              </a:tr>
+              <a:tr h="182880">
+                <a:tc>
+                  <a:txBody>
+                    <a:bodyPr/>
+                    <a:lstStyle/>
+                    <a:p>
+                      <a:pPr algn="r" fontAlgn="b"/>
+                      <a:r>
+                        <a:rPr lang="pt-BR" sz="1100" u="none" strike="noStrike">
+                          <a:effectLst/>
+                        </a:rPr>
+                        <a:t>-3574,84</a:t>
+                      </a:r>
+                      <a:endParaRPr lang="pt-BR" sz="1100" b="0" i="0" u="none" strike="noStrike">
+                        <a:solidFill>
+                          <a:srgbClr val="000000"/>
+                        </a:solidFill>
+                        <a:effectLst/>
+                        <a:latin typeface="Calibri" panose="020F0502020204030204" pitchFamily="34" charset="0"/>
+                      </a:endParaRPr>
+                    </a:p>
+                  </a:txBody>
+                  <a:tcPr marL="7620" marR="7620" marT="7620" marB="0" anchor="b"/>
+                </a:tc>
+                <a:tc>
+                  <a:txBody>
+                    <a:bodyPr/>
+                    <a:lstStyle/>
+                    <a:p>
+                      <a:pPr algn="r" fontAlgn="b"/>
+                      <a:r>
+                        <a:rPr lang="pt-BR" sz="1100" u="none" strike="noStrike" dirty="0">
+                          <a:effectLst/>
+                        </a:rPr>
+                        <a:t>-3577,708764</a:t>
+                      </a:r>
+                      <a:endParaRPr lang="pt-BR" sz="1100" b="0" i="0" u="none" strike="noStrike" dirty="0">
+                        <a:solidFill>
+                          <a:srgbClr val="000000"/>
+                        </a:solidFill>
+                        <a:effectLst/>
+                        <a:latin typeface="Calibri" panose="020F0502020204030204" pitchFamily="34" charset="0"/>
+                      </a:endParaRPr>
+                    </a:p>
+                  </a:txBody>
+                  <a:tcPr marL="7620" marR="7620" marT="7620" marB="0" anchor="b"/>
+                </a:tc>
+                <a:extLst>
+                  <a:ext uri="{0D108BD9-81ED-4DB2-BD59-A6C34878D82A}">
+                    <a16:rowId xmlns:a16="http://schemas.microsoft.com/office/drawing/2014/main" val="2980386274"/>
+                  </a:ext>
+                </a:extLst>
+              </a:tr>
+            </a:tbl>
+          </a:graphicData>
+        </a:graphic>
+      </p:graphicFrame>
     </p:spTree>
     <p:extLst>
       <p:ext uri="{BB962C8B-B14F-4D97-AF65-F5344CB8AC3E}">
@@ -15825,18 +18162,18 @@
 </file>
 
 <file path=customXml/item1.xml><?xml version="1.0" encoding="utf-8"?>
+<p:properties xmlns:p="http://schemas.microsoft.com/office/2006/metadata/properties" xmlns:xsi="http://www.w3.org/2001/XMLSchema-instance" xmlns:pc="http://schemas.microsoft.com/office/infopath/2007/PartnerControls">
+  <documentManagement/>
+</p:properties>
+</file>
+
+<file path=customXml/item2.xml><?xml version="1.0" encoding="utf-8"?>
 <?mso-contentType ?>
 <FormTemplates xmlns="http://schemas.microsoft.com/sharepoint/v3/contenttype/forms">
   <Display>DocumentLibraryForm</Display>
   <Edit>DocumentLibraryForm</Edit>
   <New>DocumentLibraryForm</New>
 </FormTemplates>
-</file>
-
-<file path=customXml/item2.xml><?xml version="1.0" encoding="utf-8"?>
-<p:properties xmlns:p="http://schemas.microsoft.com/office/2006/metadata/properties" xmlns:xsi="http://www.w3.org/2001/XMLSchema-instance" xmlns:pc="http://schemas.microsoft.com/office/infopath/2007/PartnerControls">
-  <documentManagement/>
-</p:properties>
 </file>
 
 <file path=customXml/item3.xml><?xml version="1.0" encoding="utf-8"?>
@@ -16043,18 +18380,18 @@
 </file>
 
 <file path=customXml/itemProps1.xml><?xml version="1.0" encoding="utf-8"?>
-<ds:datastoreItem xmlns:ds="http://schemas.openxmlformats.org/officeDocument/2006/customXml" ds:itemID="{0997B880-9F42-4075-B0BD-79E600900573}">
+<ds:datastoreItem xmlns:ds="http://schemas.openxmlformats.org/officeDocument/2006/customXml" ds:itemID="{2FEEA7E3-678C-4BCA-B233-86E1043B0D4E}">
   <ds:schemaRefs>
-    <ds:schemaRef ds:uri="http://schemas.microsoft.com/sharepoint/v3/contenttype/forms"/>
+    <ds:schemaRef ds:uri="http://schemas.microsoft.com/office/2006/metadata/properties"/>
+    <ds:schemaRef ds:uri="http://schemas.microsoft.com/office/infopath/2007/PartnerControls"/>
   </ds:schemaRefs>
 </ds:datastoreItem>
 </file>
 
 <file path=customXml/itemProps2.xml><?xml version="1.0" encoding="utf-8"?>
-<ds:datastoreItem xmlns:ds="http://schemas.openxmlformats.org/officeDocument/2006/customXml" ds:itemID="{2FEEA7E3-678C-4BCA-B233-86E1043B0D4E}">
+<ds:datastoreItem xmlns:ds="http://schemas.openxmlformats.org/officeDocument/2006/customXml" ds:itemID="{0997B880-9F42-4075-B0BD-79E600900573}">
   <ds:schemaRefs>
-    <ds:schemaRef ds:uri="http://schemas.microsoft.com/office/2006/metadata/properties"/>
-    <ds:schemaRef ds:uri="http://schemas.microsoft.com/office/infopath/2007/PartnerControls"/>
+    <ds:schemaRef ds:uri="http://schemas.microsoft.com/sharepoint/v3/contenttype/forms"/>
   </ds:schemaRefs>
 </ds:datastoreItem>
 </file>
